--- a/修論の図.pptx
+++ b/修論の図.pptx
@@ -7,7 +7,9 @@
   <p:sldIdLst>
     <p:sldId id="256" r:id="rId2"/>
     <p:sldId id="258" r:id="rId3"/>
-    <p:sldId id="257" r:id="rId4"/>
+    <p:sldId id="259" r:id="rId4"/>
+    <p:sldId id="260" r:id="rId5"/>
+    <p:sldId id="257" r:id="rId6"/>
   </p:sldIdLst>
   <p:sldSz cx="12192000" cy="6858000"/>
   <p:notesSz cx="6858000" cy="9144000"/>
@@ -106,6 +108,11 @@
       </a:defRPr>
     </a:lvl9pPr>
   </p:defaultTextStyle>
+  <p:extLst>
+    <p:ext uri="{EFAFB233-063F-42B5-8137-9DF3F51BA10A}">
+      <p15:sldGuideLst xmlns:p15="http://schemas.microsoft.com/office/powerpoint/2012/main"/>
+    </p:ext>
+  </p:extLst>
 </p:presentation>
 </file>
 
@@ -256,7 +263,7 @@
           <a:p>
             <a:fld id="{E52EB15A-F151-1244-8A13-DD7702844EEB}" type="datetimeFigureOut">
               <a:rPr kumimoji="1" lang="ja-JP" altLang="en-US" smtClean="0"/>
-              <a:t>2023/12/29</a:t>
+              <a:t>2023/12/30</a:t>
             </a:fld>
             <a:endParaRPr kumimoji="1" lang="ja-JP" altLang="en-US"/>
           </a:p>
@@ -486,7 +493,7 @@
           <a:p>
             <a:fld id="{E52EB15A-F151-1244-8A13-DD7702844EEB}" type="datetimeFigureOut">
               <a:rPr kumimoji="1" lang="ja-JP" altLang="en-US" smtClean="0"/>
-              <a:t>2023/12/29</a:t>
+              <a:t>2023/12/30</a:t>
             </a:fld>
             <a:endParaRPr kumimoji="1" lang="ja-JP" altLang="en-US"/>
           </a:p>
@@ -726,7 +733,7 @@
           <a:p>
             <a:fld id="{E52EB15A-F151-1244-8A13-DD7702844EEB}" type="datetimeFigureOut">
               <a:rPr kumimoji="1" lang="ja-JP" altLang="en-US" smtClean="0"/>
-              <a:t>2023/12/29</a:t>
+              <a:t>2023/12/30</a:t>
             </a:fld>
             <a:endParaRPr kumimoji="1" lang="ja-JP" altLang="en-US"/>
           </a:p>
@@ -956,7 +963,7 @@
           <a:p>
             <a:fld id="{E52EB15A-F151-1244-8A13-DD7702844EEB}" type="datetimeFigureOut">
               <a:rPr kumimoji="1" lang="ja-JP" altLang="en-US" smtClean="0"/>
-              <a:t>2023/12/29</a:t>
+              <a:t>2023/12/30</a:t>
             </a:fld>
             <a:endParaRPr kumimoji="1" lang="ja-JP" altLang="en-US"/>
           </a:p>
@@ -1231,7 +1238,7 @@
           <a:p>
             <a:fld id="{E52EB15A-F151-1244-8A13-DD7702844EEB}" type="datetimeFigureOut">
               <a:rPr kumimoji="1" lang="ja-JP" altLang="en-US" smtClean="0"/>
-              <a:t>2023/12/29</a:t>
+              <a:t>2023/12/30</a:t>
             </a:fld>
             <a:endParaRPr kumimoji="1" lang="ja-JP" altLang="en-US"/>
           </a:p>
@@ -1560,7 +1567,7 @@
           <a:p>
             <a:fld id="{E52EB15A-F151-1244-8A13-DD7702844EEB}" type="datetimeFigureOut">
               <a:rPr kumimoji="1" lang="ja-JP" altLang="en-US" smtClean="0"/>
-              <a:t>2023/12/29</a:t>
+              <a:t>2023/12/30</a:t>
             </a:fld>
             <a:endParaRPr kumimoji="1" lang="ja-JP" altLang="en-US"/>
           </a:p>
@@ -2036,7 +2043,7 @@
           <a:p>
             <a:fld id="{E52EB15A-F151-1244-8A13-DD7702844EEB}" type="datetimeFigureOut">
               <a:rPr kumimoji="1" lang="ja-JP" altLang="en-US" smtClean="0"/>
-              <a:t>2023/12/29</a:t>
+              <a:t>2023/12/30</a:t>
             </a:fld>
             <a:endParaRPr kumimoji="1" lang="ja-JP" altLang="en-US"/>
           </a:p>
@@ -2177,7 +2184,7 @@
           <a:p>
             <a:fld id="{E52EB15A-F151-1244-8A13-DD7702844EEB}" type="datetimeFigureOut">
               <a:rPr kumimoji="1" lang="ja-JP" altLang="en-US" smtClean="0"/>
-              <a:t>2023/12/29</a:t>
+              <a:t>2023/12/30</a:t>
             </a:fld>
             <a:endParaRPr kumimoji="1" lang="ja-JP" altLang="en-US"/>
           </a:p>
@@ -2290,7 +2297,7 @@
           <a:p>
             <a:fld id="{E52EB15A-F151-1244-8A13-DD7702844EEB}" type="datetimeFigureOut">
               <a:rPr kumimoji="1" lang="ja-JP" altLang="en-US" smtClean="0"/>
-              <a:t>2023/12/29</a:t>
+              <a:t>2023/12/30</a:t>
             </a:fld>
             <a:endParaRPr kumimoji="1" lang="ja-JP" altLang="en-US"/>
           </a:p>
@@ -2633,7 +2640,7 @@
           <a:p>
             <a:fld id="{E52EB15A-F151-1244-8A13-DD7702844EEB}" type="datetimeFigureOut">
               <a:rPr kumimoji="1" lang="ja-JP" altLang="en-US" smtClean="0"/>
-              <a:t>2023/12/29</a:t>
+              <a:t>2023/12/30</a:t>
             </a:fld>
             <a:endParaRPr kumimoji="1" lang="ja-JP" altLang="en-US"/>
           </a:p>
@@ -2921,7 +2928,7 @@
           <a:p>
             <a:fld id="{E52EB15A-F151-1244-8A13-DD7702844EEB}" type="datetimeFigureOut">
               <a:rPr kumimoji="1" lang="ja-JP" altLang="en-US" smtClean="0"/>
-              <a:t>2023/12/29</a:t>
+              <a:t>2023/12/30</a:t>
             </a:fld>
             <a:endParaRPr kumimoji="1" lang="ja-JP" altLang="en-US"/>
           </a:p>
@@ -3194,7 +3201,7 @@
           <a:p>
             <a:fld id="{E52EB15A-F151-1244-8A13-DD7702844EEB}" type="datetimeFigureOut">
               <a:rPr kumimoji="1" lang="ja-JP" altLang="en-US" smtClean="0"/>
-              <a:t>2023/12/29</a:t>
+              <a:t>2023/12/30</a:t>
             </a:fld>
             <a:endParaRPr kumimoji="1" lang="ja-JP" altLang="en-US"/>
           </a:p>
@@ -4393,6 +4400,58 @@
           </a:prstGeom>
         </p:spPr>
       </p:pic>
+      <p:sp>
+        <p:nvSpPr>
+          <p:cNvPr id="16" name="正方形/長方形 15">
+            <a:extLst>
+              <a:ext uri="{FF2B5EF4-FFF2-40B4-BE49-F238E27FC236}">
+                <a16:creationId xmlns:a16="http://schemas.microsoft.com/office/drawing/2014/main" id="{174B1ACC-D5AB-4FD1-C118-B623CFC2D4CC}"/>
+              </a:ext>
+            </a:extLst>
+          </p:cNvPr>
+          <p:cNvSpPr/>
+          <p:nvPr/>
+        </p:nvSpPr>
+        <p:spPr>
+          <a:xfrm>
+            <a:off x="9465564" y="2872867"/>
+            <a:ext cx="1056132" cy="1097280"/>
+          </a:xfrm>
+          <a:prstGeom prst="rect">
+            <a:avLst/>
+          </a:prstGeom>
+          <a:solidFill>
+            <a:srgbClr val="E68366"/>
+          </a:solidFill>
+          <a:ln>
+            <a:noFill/>
+          </a:ln>
+        </p:spPr>
+        <p:style>
+          <a:lnRef idx="2">
+            <a:schemeClr val="accent1">
+              <a:shade val="15000"/>
+            </a:schemeClr>
+          </a:lnRef>
+          <a:fillRef idx="1">
+            <a:schemeClr val="accent1"/>
+          </a:fillRef>
+          <a:effectRef idx="0">
+            <a:schemeClr val="accent1"/>
+          </a:effectRef>
+          <a:fontRef idx="minor">
+            <a:schemeClr val="lt1"/>
+          </a:fontRef>
+        </p:style>
+        <p:txBody>
+          <a:bodyPr rtlCol="0" anchor="ctr"/>
+          <a:lstStyle/>
+          <a:p>
+            <a:pPr algn="ctr"/>
+            <a:endParaRPr kumimoji="1" lang="ja-JP" altLang="en-US"/>
+          </a:p>
+        </p:txBody>
+      </p:sp>
     </p:spTree>
     <p:extLst>
       <p:ext uri="{BB962C8B-B14F-4D97-AF65-F5344CB8AC3E}">
@@ -4407,6 +4466,623 @@
 </file>
 
 <file path=ppt/slides/slide3.xml><?xml version="1.0" encoding="utf-8"?>
+<p:sld xmlns:a="http://schemas.openxmlformats.org/drawingml/2006/main" xmlns:r="http://schemas.openxmlformats.org/officeDocument/2006/relationships" xmlns:p="http://schemas.openxmlformats.org/presentationml/2006/main">
+  <p:cSld>
+    <p:spTree>
+      <p:nvGrpSpPr>
+        <p:cNvPr id="1" name=""/>
+        <p:cNvGrpSpPr/>
+        <p:nvPr/>
+      </p:nvGrpSpPr>
+      <p:grpSpPr>
+        <a:xfrm>
+          <a:off x="0" y="0"/>
+          <a:ext cx="0" cy="0"/>
+          <a:chOff x="0" y="0"/>
+          <a:chExt cx="0" cy="0"/>
+        </a:xfrm>
+      </p:grpSpPr>
+      <p:pic>
+        <p:nvPicPr>
+          <p:cNvPr id="5" name="図 4">
+            <a:extLst>
+              <a:ext uri="{FF2B5EF4-FFF2-40B4-BE49-F238E27FC236}">
+                <a16:creationId xmlns:a16="http://schemas.microsoft.com/office/drawing/2014/main" id="{B4D26EAF-16BA-3483-C7C8-7F031E6B7C35}"/>
+              </a:ext>
+            </a:extLst>
+          </p:cNvPr>
+          <p:cNvPicPr>
+            <a:picLocks noChangeAspect="1"/>
+          </p:cNvPicPr>
+          <p:nvPr/>
+        </p:nvPicPr>
+        <p:blipFill>
+          <a:blip r:embed="rId2"/>
+          <a:stretch>
+            <a:fillRect/>
+          </a:stretch>
+        </p:blipFill>
+        <p:spPr>
+          <a:xfrm>
+            <a:off x="1408684" y="2025777"/>
+            <a:ext cx="2806446" cy="2806446"/>
+          </a:xfrm>
+          <a:prstGeom prst="rect">
+            <a:avLst/>
+          </a:prstGeom>
+        </p:spPr>
+      </p:pic>
+      <p:pic>
+        <p:nvPicPr>
+          <p:cNvPr id="7" name="図 6">
+            <a:extLst>
+              <a:ext uri="{FF2B5EF4-FFF2-40B4-BE49-F238E27FC236}">
+                <a16:creationId xmlns:a16="http://schemas.microsoft.com/office/drawing/2014/main" id="{B0619E2B-8629-C272-DF67-05F0999025B7}"/>
+              </a:ext>
+            </a:extLst>
+          </p:cNvPr>
+          <p:cNvPicPr>
+            <a:picLocks noChangeAspect="1"/>
+          </p:cNvPicPr>
+          <p:nvPr/>
+        </p:nvPicPr>
+        <p:blipFill>
+          <a:blip r:embed="rId3"/>
+          <a:stretch>
+            <a:fillRect/>
+          </a:stretch>
+        </p:blipFill>
+        <p:spPr>
+          <a:xfrm>
+            <a:off x="1408684" y="2025777"/>
+            <a:ext cx="2806446" cy="2806446"/>
+          </a:xfrm>
+          <a:prstGeom prst="rect">
+            <a:avLst/>
+          </a:prstGeom>
+        </p:spPr>
+      </p:pic>
+      <p:pic>
+        <p:nvPicPr>
+          <p:cNvPr id="8" name="図 7">
+            <a:extLst>
+              <a:ext uri="{FF2B5EF4-FFF2-40B4-BE49-F238E27FC236}">
+                <a16:creationId xmlns:a16="http://schemas.microsoft.com/office/drawing/2014/main" id="{BC3404F7-AF74-047E-CBDB-FD5F1C5FF578}"/>
+              </a:ext>
+            </a:extLst>
+          </p:cNvPr>
+          <p:cNvPicPr>
+            <a:picLocks noChangeAspect="1"/>
+          </p:cNvPicPr>
+          <p:nvPr/>
+        </p:nvPicPr>
+        <p:blipFill>
+          <a:blip r:embed="rId2"/>
+          <a:stretch>
+            <a:fillRect/>
+          </a:stretch>
+        </p:blipFill>
+        <p:spPr>
+          <a:xfrm>
+            <a:off x="5260340" y="2025777"/>
+            <a:ext cx="2806446" cy="2806446"/>
+          </a:xfrm>
+          <a:prstGeom prst="rect">
+            <a:avLst/>
+          </a:prstGeom>
+        </p:spPr>
+      </p:pic>
+      <p:sp>
+        <p:nvSpPr>
+          <p:cNvPr id="9" name="右矢印 8">
+            <a:extLst>
+              <a:ext uri="{FF2B5EF4-FFF2-40B4-BE49-F238E27FC236}">
+                <a16:creationId xmlns:a16="http://schemas.microsoft.com/office/drawing/2014/main" id="{C60465EC-FB6A-CCD1-8BB5-471682C07C35}"/>
+              </a:ext>
+            </a:extLst>
+          </p:cNvPr>
+          <p:cNvSpPr/>
+          <p:nvPr/>
+        </p:nvSpPr>
+        <p:spPr>
+          <a:xfrm>
+            <a:off x="4384167" y="3238627"/>
+            <a:ext cx="707136" cy="365760"/>
+          </a:xfrm>
+          <a:prstGeom prst="rightArrow">
+            <a:avLst/>
+          </a:prstGeom>
+          <a:solidFill>
+            <a:schemeClr val="bg1"/>
+          </a:solidFill>
+        </p:spPr>
+        <p:style>
+          <a:lnRef idx="2">
+            <a:schemeClr val="accent1">
+              <a:shade val="15000"/>
+            </a:schemeClr>
+          </a:lnRef>
+          <a:fillRef idx="1">
+            <a:schemeClr val="accent1"/>
+          </a:fillRef>
+          <a:effectRef idx="0">
+            <a:schemeClr val="accent1"/>
+          </a:effectRef>
+          <a:fontRef idx="minor">
+            <a:schemeClr val="lt1"/>
+          </a:fontRef>
+        </p:style>
+        <p:txBody>
+          <a:bodyPr rtlCol="0" anchor="ctr"/>
+          <a:lstStyle/>
+          <a:p>
+            <a:pPr algn="ctr"/>
+            <a:endParaRPr kumimoji="1" lang="ja-JP" altLang="en-US"/>
+          </a:p>
+        </p:txBody>
+      </p:sp>
+      <p:sp>
+        <p:nvSpPr>
+          <p:cNvPr id="12" name="テキスト ボックス 11">
+            <a:extLst>
+              <a:ext uri="{FF2B5EF4-FFF2-40B4-BE49-F238E27FC236}">
+                <a16:creationId xmlns:a16="http://schemas.microsoft.com/office/drawing/2014/main" id="{9CE9B204-DCB2-EA67-4561-174EFD197F6A}"/>
+              </a:ext>
+            </a:extLst>
+          </p:cNvPr>
+          <p:cNvSpPr txBox="1"/>
+          <p:nvPr/>
+        </p:nvSpPr>
+        <p:spPr>
+          <a:xfrm>
+            <a:off x="1408684" y="5035296"/>
+            <a:ext cx="2806446" cy="338554"/>
+          </a:xfrm>
+          <a:prstGeom prst="rect">
+            <a:avLst/>
+          </a:prstGeom>
+          <a:noFill/>
+        </p:spPr>
+        <p:txBody>
+          <a:bodyPr wrap="square" rtlCol="0">
+            <a:spAutoFit/>
+          </a:bodyPr>
+          <a:lstStyle/>
+          <a:p>
+            <a:pPr algn="ctr"/>
+            <a:r>
+              <a:rPr kumimoji="1" lang="ja-JP" altLang="en-US" sz="1600">
+                <a:latin typeface="Yu Mincho" panose="02020400000000000000" pitchFamily="18" charset="-128"/>
+                <a:ea typeface="Yu Mincho" panose="02020400000000000000" pitchFamily="18" charset="-128"/>
+              </a:rPr>
+              <a:t>元の顔画像</a:t>
+            </a:r>
+          </a:p>
+        </p:txBody>
+      </p:sp>
+      <p:sp>
+        <p:nvSpPr>
+          <p:cNvPr id="13" name="テキスト ボックス 12">
+            <a:extLst>
+              <a:ext uri="{FF2B5EF4-FFF2-40B4-BE49-F238E27FC236}">
+                <a16:creationId xmlns:a16="http://schemas.microsoft.com/office/drawing/2014/main" id="{C0152996-A1E7-E388-EAA8-2D69D5988050}"/>
+              </a:ext>
+            </a:extLst>
+          </p:cNvPr>
+          <p:cNvSpPr txBox="1"/>
+          <p:nvPr/>
+        </p:nvSpPr>
+        <p:spPr>
+          <a:xfrm>
+            <a:off x="5260340" y="5035296"/>
+            <a:ext cx="2806446" cy="830997"/>
+          </a:xfrm>
+          <a:prstGeom prst="rect">
+            <a:avLst/>
+          </a:prstGeom>
+          <a:noFill/>
+        </p:spPr>
+        <p:txBody>
+          <a:bodyPr wrap="square" rtlCol="0">
+            <a:spAutoFit/>
+          </a:bodyPr>
+          <a:lstStyle/>
+          <a:p>
+            <a:pPr algn="ctr"/>
+            <a:r>
+              <a:rPr kumimoji="1" lang="ja-JP" altLang="en-US" sz="1600">
+                <a:latin typeface="Yu Mincho" panose="02020400000000000000" pitchFamily="18" charset="-128"/>
+                <a:ea typeface="Yu Mincho" panose="02020400000000000000" pitchFamily="18" charset="-128"/>
+              </a:rPr>
+              <a:t>ランドマーク検出</a:t>
+            </a:r>
+            <a:endParaRPr kumimoji="1" lang="en-US" altLang="ja-JP" sz="1600" dirty="0">
+              <a:latin typeface="Yu Mincho" panose="02020400000000000000" pitchFamily="18" charset="-128"/>
+              <a:ea typeface="Yu Mincho" panose="02020400000000000000" pitchFamily="18" charset="-128"/>
+            </a:endParaRPr>
+          </a:p>
+          <a:p>
+            <a:pPr algn="ctr"/>
+            <a:r>
+              <a:rPr lang="ja-JP" altLang="en-US" sz="1600">
+                <a:latin typeface="Yu Mincho" panose="02020400000000000000" pitchFamily="18" charset="-128"/>
+                <a:ea typeface="Yu Mincho" panose="02020400000000000000" pitchFamily="18" charset="-128"/>
+              </a:rPr>
+              <a:t>・</a:t>
+            </a:r>
+            <a:endParaRPr kumimoji="1" lang="en-US" altLang="ja-JP" sz="1600" dirty="0">
+              <a:latin typeface="Yu Mincho" panose="02020400000000000000" pitchFamily="18" charset="-128"/>
+              <a:ea typeface="Yu Mincho" panose="02020400000000000000" pitchFamily="18" charset="-128"/>
+            </a:endParaRPr>
+          </a:p>
+          <a:p>
+            <a:pPr algn="ctr"/>
+            <a:r>
+              <a:rPr lang="ja-JP" altLang="en-US" sz="1600">
+                <a:latin typeface="Yu Mincho" panose="02020400000000000000" pitchFamily="18" charset="-128"/>
+                <a:ea typeface="Yu Mincho" panose="02020400000000000000" pitchFamily="18" charset="-128"/>
+              </a:rPr>
+              <a:t>唇領域の切り取り</a:t>
+            </a:r>
+            <a:endParaRPr kumimoji="1" lang="ja-JP" altLang="en-US" sz="1600">
+              <a:latin typeface="Yu Mincho" panose="02020400000000000000" pitchFamily="18" charset="-128"/>
+              <a:ea typeface="Yu Mincho" panose="02020400000000000000" pitchFamily="18" charset="-128"/>
+            </a:endParaRPr>
+          </a:p>
+        </p:txBody>
+      </p:sp>
+      <p:pic>
+        <p:nvPicPr>
+          <p:cNvPr id="3" name="図 2">
+            <a:extLst>
+              <a:ext uri="{FF2B5EF4-FFF2-40B4-BE49-F238E27FC236}">
+                <a16:creationId xmlns:a16="http://schemas.microsoft.com/office/drawing/2014/main" id="{65E6184E-6374-50E9-A178-48DF06FF665A}"/>
+              </a:ext>
+            </a:extLst>
+          </p:cNvPr>
+          <p:cNvPicPr>
+            <a:picLocks noChangeAspect="1"/>
+          </p:cNvPicPr>
+          <p:nvPr/>
+        </p:nvPicPr>
+        <p:blipFill>
+          <a:blip r:embed="rId4"/>
+          <a:stretch>
+            <a:fillRect/>
+          </a:stretch>
+        </p:blipFill>
+        <p:spPr>
+          <a:xfrm>
+            <a:off x="5260340" y="2025777"/>
+            <a:ext cx="2806446" cy="2806446"/>
+          </a:xfrm>
+          <a:prstGeom prst="rect">
+            <a:avLst/>
+          </a:prstGeom>
+        </p:spPr>
+      </p:pic>
+    </p:spTree>
+    <p:extLst>
+      <p:ext uri="{BB962C8B-B14F-4D97-AF65-F5344CB8AC3E}">
+        <p14:creationId xmlns:p14="http://schemas.microsoft.com/office/powerpoint/2010/main" val="2648666417"/>
+      </p:ext>
+    </p:extLst>
+  </p:cSld>
+  <p:clrMapOvr>
+    <a:masterClrMapping/>
+  </p:clrMapOvr>
+</p:sld>
+</file>
+
+<file path=ppt/slides/slide4.xml><?xml version="1.0" encoding="utf-8"?>
+<p:sld xmlns:a="http://schemas.openxmlformats.org/drawingml/2006/main" xmlns:r="http://schemas.openxmlformats.org/officeDocument/2006/relationships" xmlns:p="http://schemas.openxmlformats.org/presentationml/2006/main">
+  <p:cSld>
+    <p:spTree>
+      <p:nvGrpSpPr>
+        <p:cNvPr id="1" name=""/>
+        <p:cNvGrpSpPr/>
+        <p:nvPr/>
+      </p:nvGrpSpPr>
+      <p:grpSpPr>
+        <a:xfrm>
+          <a:off x="0" y="0"/>
+          <a:ext cx="0" cy="0"/>
+          <a:chOff x="0" y="0"/>
+          <a:chExt cx="0" cy="0"/>
+        </a:xfrm>
+      </p:grpSpPr>
+      <p:pic>
+        <p:nvPicPr>
+          <p:cNvPr id="5" name="図 4">
+            <a:extLst>
+              <a:ext uri="{FF2B5EF4-FFF2-40B4-BE49-F238E27FC236}">
+                <a16:creationId xmlns:a16="http://schemas.microsoft.com/office/drawing/2014/main" id="{B4D26EAF-16BA-3483-C7C8-7F031E6B7C35}"/>
+              </a:ext>
+            </a:extLst>
+          </p:cNvPr>
+          <p:cNvPicPr>
+            <a:picLocks noChangeAspect="1"/>
+          </p:cNvPicPr>
+          <p:nvPr/>
+        </p:nvPicPr>
+        <p:blipFill>
+          <a:blip r:embed="rId2"/>
+          <a:stretch>
+            <a:fillRect/>
+          </a:stretch>
+        </p:blipFill>
+        <p:spPr>
+          <a:xfrm>
+            <a:off x="1408684" y="2025777"/>
+            <a:ext cx="2806446" cy="2806446"/>
+          </a:xfrm>
+          <a:prstGeom prst="rect">
+            <a:avLst/>
+          </a:prstGeom>
+        </p:spPr>
+      </p:pic>
+      <p:pic>
+        <p:nvPicPr>
+          <p:cNvPr id="7" name="図 6">
+            <a:extLst>
+              <a:ext uri="{FF2B5EF4-FFF2-40B4-BE49-F238E27FC236}">
+                <a16:creationId xmlns:a16="http://schemas.microsoft.com/office/drawing/2014/main" id="{B0619E2B-8629-C272-DF67-05F0999025B7}"/>
+              </a:ext>
+            </a:extLst>
+          </p:cNvPr>
+          <p:cNvPicPr>
+            <a:picLocks noChangeAspect="1"/>
+          </p:cNvPicPr>
+          <p:nvPr/>
+        </p:nvPicPr>
+        <p:blipFill>
+          <a:blip r:embed="rId3"/>
+          <a:stretch>
+            <a:fillRect/>
+          </a:stretch>
+        </p:blipFill>
+        <p:spPr>
+          <a:xfrm>
+            <a:off x="1408684" y="2025777"/>
+            <a:ext cx="2806446" cy="2806446"/>
+          </a:xfrm>
+          <a:prstGeom prst="rect">
+            <a:avLst/>
+          </a:prstGeom>
+        </p:spPr>
+      </p:pic>
+      <p:sp>
+        <p:nvSpPr>
+          <p:cNvPr id="12" name="テキスト ボックス 11">
+            <a:extLst>
+              <a:ext uri="{FF2B5EF4-FFF2-40B4-BE49-F238E27FC236}">
+                <a16:creationId xmlns:a16="http://schemas.microsoft.com/office/drawing/2014/main" id="{9CE9B204-DCB2-EA67-4561-174EFD197F6A}"/>
+              </a:ext>
+            </a:extLst>
+          </p:cNvPr>
+          <p:cNvSpPr txBox="1"/>
+          <p:nvPr/>
+        </p:nvSpPr>
+        <p:spPr>
+          <a:xfrm>
+            <a:off x="1390777" y="1377696"/>
+            <a:ext cx="2806446" cy="338554"/>
+          </a:xfrm>
+          <a:prstGeom prst="rect">
+            <a:avLst/>
+          </a:prstGeom>
+          <a:noFill/>
+        </p:spPr>
+        <p:txBody>
+          <a:bodyPr wrap="square" rtlCol="0">
+            <a:spAutoFit/>
+          </a:bodyPr>
+          <a:lstStyle/>
+          <a:p>
+            <a:pPr algn="ctr"/>
+            <a:r>
+              <a:rPr lang="ja-JP" altLang="en-US" sz="1600">
+                <a:latin typeface="Yu Mincho" panose="02020400000000000000" pitchFamily="18" charset="-128"/>
+                <a:ea typeface="Yu Mincho" panose="02020400000000000000" pitchFamily="18" charset="-128"/>
+              </a:rPr>
+              <a:t>顔領域を切り取った画像</a:t>
+            </a:r>
+            <a:endParaRPr kumimoji="1" lang="ja-JP" altLang="en-US" sz="1600">
+              <a:latin typeface="Yu Mincho" panose="02020400000000000000" pitchFamily="18" charset="-128"/>
+              <a:ea typeface="Yu Mincho" panose="02020400000000000000" pitchFamily="18" charset="-128"/>
+            </a:endParaRPr>
+          </a:p>
+        </p:txBody>
+      </p:sp>
+      <p:sp>
+        <p:nvSpPr>
+          <p:cNvPr id="13" name="テキスト ボックス 12">
+            <a:extLst>
+              <a:ext uri="{FF2B5EF4-FFF2-40B4-BE49-F238E27FC236}">
+                <a16:creationId xmlns:a16="http://schemas.microsoft.com/office/drawing/2014/main" id="{C0152996-A1E7-E388-EAA8-2D69D5988050}"/>
+              </a:ext>
+            </a:extLst>
+          </p:cNvPr>
+          <p:cNvSpPr txBox="1"/>
+          <p:nvPr/>
+        </p:nvSpPr>
+        <p:spPr>
+          <a:xfrm>
+            <a:off x="4692777" y="1377696"/>
+            <a:ext cx="2806446" cy="338554"/>
+          </a:xfrm>
+          <a:prstGeom prst="rect">
+            <a:avLst/>
+          </a:prstGeom>
+          <a:noFill/>
+        </p:spPr>
+        <p:txBody>
+          <a:bodyPr wrap="square" rtlCol="0">
+            <a:spAutoFit/>
+          </a:bodyPr>
+          <a:lstStyle/>
+          <a:p>
+            <a:pPr algn="ctr"/>
+            <a:r>
+              <a:rPr kumimoji="1" lang="ja-JP" altLang="en-US" sz="1600">
+                <a:latin typeface="Yu Mincho" panose="02020400000000000000" pitchFamily="18" charset="-128"/>
+                <a:ea typeface="Yu Mincho" panose="02020400000000000000" pitchFamily="18" charset="-128"/>
+              </a:rPr>
+              <a:t>抽出したリップカラー</a:t>
+            </a:r>
+          </a:p>
+        </p:txBody>
+      </p:sp>
+      <p:pic>
+        <p:nvPicPr>
+          <p:cNvPr id="4" name="図 3">
+            <a:extLst>
+              <a:ext uri="{FF2B5EF4-FFF2-40B4-BE49-F238E27FC236}">
+                <a16:creationId xmlns:a16="http://schemas.microsoft.com/office/drawing/2014/main" id="{520A0091-9593-38DE-3DAC-3EDFD90EBA4A}"/>
+              </a:ext>
+            </a:extLst>
+          </p:cNvPr>
+          <p:cNvPicPr>
+            <a:picLocks noChangeAspect="1"/>
+          </p:cNvPicPr>
+          <p:nvPr/>
+        </p:nvPicPr>
+        <p:blipFill>
+          <a:blip r:embed="rId4"/>
+          <a:stretch>
+            <a:fillRect/>
+          </a:stretch>
+        </p:blipFill>
+        <p:spPr>
+          <a:xfrm>
+            <a:off x="1408684" y="2025777"/>
+            <a:ext cx="2806446" cy="2806446"/>
+          </a:xfrm>
+          <a:prstGeom prst="rect">
+            <a:avLst/>
+          </a:prstGeom>
+        </p:spPr>
+      </p:pic>
+      <p:pic>
+        <p:nvPicPr>
+          <p:cNvPr id="10" name="図 9">
+            <a:extLst>
+              <a:ext uri="{FF2B5EF4-FFF2-40B4-BE49-F238E27FC236}">
+                <a16:creationId xmlns:a16="http://schemas.microsoft.com/office/drawing/2014/main" id="{DC6A3189-BE53-5772-FAA8-087DD8FBBFC9}"/>
+              </a:ext>
+            </a:extLst>
+          </p:cNvPr>
+          <p:cNvPicPr>
+            <a:picLocks noChangeAspect="1"/>
+          </p:cNvPicPr>
+          <p:nvPr/>
+        </p:nvPicPr>
+        <p:blipFill>
+          <a:blip r:embed="rId5"/>
+          <a:stretch>
+            <a:fillRect/>
+          </a:stretch>
+        </p:blipFill>
+        <p:spPr>
+          <a:xfrm>
+            <a:off x="4692777" y="2025777"/>
+            <a:ext cx="2806446" cy="2806446"/>
+          </a:xfrm>
+          <a:prstGeom prst="rect">
+            <a:avLst/>
+          </a:prstGeom>
+        </p:spPr>
+      </p:pic>
+      <p:pic>
+        <p:nvPicPr>
+          <p:cNvPr id="14" name="図 13">
+            <a:extLst>
+              <a:ext uri="{FF2B5EF4-FFF2-40B4-BE49-F238E27FC236}">
+                <a16:creationId xmlns:a16="http://schemas.microsoft.com/office/drawing/2014/main" id="{E6EA6017-87BB-17E0-5032-B6CCCD8C2CD9}"/>
+              </a:ext>
+            </a:extLst>
+          </p:cNvPr>
+          <p:cNvPicPr>
+            <a:picLocks noChangeAspect="1"/>
+          </p:cNvPicPr>
+          <p:nvPr/>
+        </p:nvPicPr>
+        <p:blipFill>
+          <a:blip r:embed="rId6"/>
+          <a:stretch>
+            <a:fillRect/>
+          </a:stretch>
+        </p:blipFill>
+        <p:spPr>
+          <a:xfrm>
+            <a:off x="7969377" y="2025777"/>
+            <a:ext cx="2813939" cy="2813939"/>
+          </a:xfrm>
+          <a:prstGeom prst="rect">
+            <a:avLst/>
+          </a:prstGeom>
+        </p:spPr>
+      </p:pic>
+      <p:sp>
+        <p:nvSpPr>
+          <p:cNvPr id="15" name="テキスト ボックス 14">
+            <a:extLst>
+              <a:ext uri="{FF2B5EF4-FFF2-40B4-BE49-F238E27FC236}">
+                <a16:creationId xmlns:a16="http://schemas.microsoft.com/office/drawing/2014/main" id="{C8FDDF76-2C93-0A1F-18F7-8807AB154A85}"/>
+              </a:ext>
+            </a:extLst>
+          </p:cNvPr>
+          <p:cNvSpPr txBox="1"/>
+          <p:nvPr/>
+        </p:nvSpPr>
+        <p:spPr>
+          <a:xfrm>
+            <a:off x="7994777" y="1377696"/>
+            <a:ext cx="2806446" cy="338554"/>
+          </a:xfrm>
+          <a:prstGeom prst="rect">
+            <a:avLst/>
+          </a:prstGeom>
+          <a:noFill/>
+        </p:spPr>
+        <p:txBody>
+          <a:bodyPr wrap="square" rtlCol="0">
+            <a:spAutoFit/>
+          </a:bodyPr>
+          <a:lstStyle/>
+          <a:p>
+            <a:pPr algn="ctr"/>
+            <a:r>
+              <a:rPr lang="ja-JP" altLang="en-US" sz="1600">
+                <a:latin typeface="Yu Mincho" panose="02020400000000000000" pitchFamily="18" charset="-128"/>
+                <a:ea typeface="Yu Mincho" panose="02020400000000000000" pitchFamily="18" charset="-128"/>
+              </a:rPr>
+              <a:t>推定</a:t>
+            </a:r>
+            <a:r>
+              <a:rPr kumimoji="1" lang="ja-JP" altLang="en-US" sz="1600">
+                <a:latin typeface="Yu Mincho" panose="02020400000000000000" pitchFamily="18" charset="-128"/>
+                <a:ea typeface="Yu Mincho" panose="02020400000000000000" pitchFamily="18" charset="-128"/>
+              </a:rPr>
+              <a:t>したリップカラー</a:t>
+            </a:r>
+          </a:p>
+        </p:txBody>
+      </p:sp>
+    </p:spTree>
+    <p:extLst>
+      <p:ext uri="{BB962C8B-B14F-4D97-AF65-F5344CB8AC3E}">
+        <p14:creationId xmlns:p14="http://schemas.microsoft.com/office/powerpoint/2010/main" val="3808009768"/>
+      </p:ext>
+    </p:extLst>
+  </p:cSld>
+  <p:clrMapOvr>
+    <a:masterClrMapping/>
+  </p:clrMapOvr>
+</p:sld>
+</file>
+
+<file path=ppt/slides/slide5.xml><?xml version="1.0" encoding="utf-8"?>
 <p:sld xmlns:a="http://schemas.openxmlformats.org/drawingml/2006/main" xmlns:r="http://schemas.openxmlformats.org/officeDocument/2006/relationships" xmlns:p="http://schemas.openxmlformats.org/presentationml/2006/main">
   <p:cSld>
     <p:spTree>

--- a/修論の図.pptx
+++ b/修論の図.pptx
@@ -9,7 +9,8 @@
     <p:sldId id="258" r:id="rId3"/>
     <p:sldId id="259" r:id="rId4"/>
     <p:sldId id="260" r:id="rId5"/>
-    <p:sldId id="257" r:id="rId6"/>
+    <p:sldId id="261" r:id="rId6"/>
+    <p:sldId id="257" r:id="rId7"/>
   </p:sldIdLst>
   <p:sldSz cx="12192000" cy="6858000"/>
   <p:notesSz cx="6858000" cy="9144000"/>
@@ -4865,7 +4866,7 @@
         </p:nvSpPr>
         <p:spPr>
           <a:xfrm>
-            <a:off x="1390777" y="1377696"/>
+            <a:off x="1372870" y="5132832"/>
             <a:ext cx="2806446" cy="338554"/>
           </a:xfrm>
           <a:prstGeom prst="rect">
@@ -4908,7 +4909,7 @@
         </p:nvSpPr>
         <p:spPr>
           <a:xfrm>
-            <a:off x="4692777" y="1377696"/>
+            <a:off x="4674870" y="5132832"/>
             <a:ext cx="2806446" cy="338554"/>
           </a:xfrm>
           <a:prstGeom prst="rect">
@@ -5037,7 +5038,7 @@
         </p:nvSpPr>
         <p:spPr>
           <a:xfrm>
-            <a:off x="7994777" y="1377696"/>
+            <a:off x="7976870" y="5132832"/>
             <a:ext cx="2806446" cy="338554"/>
           </a:xfrm>
           <a:prstGeom prst="rect">
@@ -5069,6 +5070,96 @@
           </a:p>
         </p:txBody>
       </p:sp>
+      <p:pic>
+        <p:nvPicPr>
+          <p:cNvPr id="17" name="図 16">
+            <a:extLst>
+              <a:ext uri="{FF2B5EF4-FFF2-40B4-BE49-F238E27FC236}">
+                <a16:creationId xmlns:a16="http://schemas.microsoft.com/office/drawing/2014/main" id="{D44DF540-870C-E423-8D20-38A8CAF6AB00}"/>
+              </a:ext>
+            </a:extLst>
+          </p:cNvPr>
+          <p:cNvPicPr>
+            <a:picLocks noChangeAspect="1"/>
+          </p:cNvPicPr>
+          <p:nvPr/>
+        </p:nvPicPr>
+        <p:blipFill>
+          <a:blip r:embed="rId7"/>
+          <a:stretch>
+            <a:fillRect/>
+          </a:stretch>
+        </p:blipFill>
+        <p:spPr>
+          <a:xfrm>
+            <a:off x="1408684" y="2025777"/>
+            <a:ext cx="2832100" cy="2819400"/>
+          </a:xfrm>
+          <a:prstGeom prst="rect">
+            <a:avLst/>
+          </a:prstGeom>
+        </p:spPr>
+      </p:pic>
+      <p:pic>
+        <p:nvPicPr>
+          <p:cNvPr id="19" name="図 18">
+            <a:extLst>
+              <a:ext uri="{FF2B5EF4-FFF2-40B4-BE49-F238E27FC236}">
+                <a16:creationId xmlns:a16="http://schemas.microsoft.com/office/drawing/2014/main" id="{468CCC6B-F20B-65DD-7D99-E121823D6737}"/>
+              </a:ext>
+            </a:extLst>
+          </p:cNvPr>
+          <p:cNvPicPr>
+            <a:picLocks noChangeAspect="1"/>
+          </p:cNvPicPr>
+          <p:nvPr/>
+        </p:nvPicPr>
+        <p:blipFill>
+          <a:blip r:embed="rId8"/>
+          <a:stretch>
+            <a:fillRect/>
+          </a:stretch>
+        </p:blipFill>
+        <p:spPr>
+          <a:xfrm>
+            <a:off x="4702683" y="2025777"/>
+            <a:ext cx="2806446" cy="2806446"/>
+          </a:xfrm>
+          <a:prstGeom prst="rect">
+            <a:avLst/>
+          </a:prstGeom>
+        </p:spPr>
+      </p:pic>
+      <p:pic>
+        <p:nvPicPr>
+          <p:cNvPr id="21" name="図 20">
+            <a:extLst>
+              <a:ext uri="{FF2B5EF4-FFF2-40B4-BE49-F238E27FC236}">
+                <a16:creationId xmlns:a16="http://schemas.microsoft.com/office/drawing/2014/main" id="{1E92EAD3-11B5-1760-7362-41AD2CA09E30}"/>
+              </a:ext>
+            </a:extLst>
+          </p:cNvPr>
+          <p:cNvPicPr>
+            <a:picLocks noChangeAspect="1"/>
+          </p:cNvPicPr>
+          <p:nvPr/>
+        </p:nvPicPr>
+        <p:blipFill>
+          <a:blip r:embed="rId9"/>
+          <a:stretch>
+            <a:fillRect/>
+          </a:stretch>
+        </p:blipFill>
+        <p:spPr>
+          <a:xfrm>
+            <a:off x="7976869" y="2025776"/>
+            <a:ext cx="2806445" cy="2806445"/>
+          </a:xfrm>
+          <a:prstGeom prst="rect">
+            <a:avLst/>
+          </a:prstGeom>
+        </p:spPr>
+      </p:pic>
     </p:spTree>
     <p:extLst>
       <p:ext uri="{BB962C8B-B14F-4D97-AF65-F5344CB8AC3E}">
@@ -5083,6 +5174,1072 @@
 </file>
 
 <file path=ppt/slides/slide5.xml><?xml version="1.0" encoding="utf-8"?>
+<p:sld xmlns:a="http://schemas.openxmlformats.org/drawingml/2006/main" xmlns:r="http://schemas.openxmlformats.org/officeDocument/2006/relationships" xmlns:p="http://schemas.openxmlformats.org/presentationml/2006/main">
+  <p:cSld>
+    <p:spTree>
+      <p:nvGrpSpPr>
+        <p:cNvPr id="1" name=""/>
+        <p:cNvGrpSpPr/>
+        <p:nvPr/>
+      </p:nvGrpSpPr>
+      <p:grpSpPr>
+        <a:xfrm>
+          <a:off x="0" y="0"/>
+          <a:ext cx="0" cy="0"/>
+          <a:chOff x="0" y="0"/>
+          <a:chExt cx="0" cy="0"/>
+        </a:xfrm>
+      </p:grpSpPr>
+      <p:pic>
+        <p:nvPicPr>
+          <p:cNvPr id="5" name="図 4">
+            <a:extLst>
+              <a:ext uri="{FF2B5EF4-FFF2-40B4-BE49-F238E27FC236}">
+                <a16:creationId xmlns:a16="http://schemas.microsoft.com/office/drawing/2014/main" id="{23282F3D-8B0A-9C71-FC01-85D2C71B4AE4}"/>
+              </a:ext>
+            </a:extLst>
+          </p:cNvPr>
+          <p:cNvPicPr>
+            <a:picLocks noChangeAspect="1"/>
+          </p:cNvPicPr>
+          <p:nvPr/>
+        </p:nvPicPr>
+        <p:blipFill>
+          <a:blip r:embed="rId2"/>
+          <a:stretch>
+            <a:fillRect/>
+          </a:stretch>
+        </p:blipFill>
+        <p:spPr>
+          <a:xfrm>
+            <a:off x="3863033" y="1331468"/>
+            <a:ext cx="635000" cy="635000"/>
+          </a:xfrm>
+          <a:prstGeom prst="rect">
+            <a:avLst/>
+          </a:prstGeom>
+        </p:spPr>
+      </p:pic>
+      <p:pic>
+        <p:nvPicPr>
+          <p:cNvPr id="7" name="図 6">
+            <a:extLst>
+              <a:ext uri="{FF2B5EF4-FFF2-40B4-BE49-F238E27FC236}">
+                <a16:creationId xmlns:a16="http://schemas.microsoft.com/office/drawing/2014/main" id="{E376C67D-376E-9F22-67A0-B16A567E536E}"/>
+              </a:ext>
+            </a:extLst>
+          </p:cNvPr>
+          <p:cNvPicPr>
+            <a:picLocks noChangeAspect="1"/>
+          </p:cNvPicPr>
+          <p:nvPr/>
+        </p:nvPicPr>
+        <p:blipFill>
+          <a:blip r:embed="rId3"/>
+          <a:stretch>
+            <a:fillRect/>
+          </a:stretch>
+        </p:blipFill>
+        <p:spPr>
+          <a:xfrm>
+            <a:off x="4937072" y="1331468"/>
+            <a:ext cx="635000" cy="635000"/>
+          </a:xfrm>
+          <a:prstGeom prst="rect">
+            <a:avLst/>
+          </a:prstGeom>
+        </p:spPr>
+      </p:pic>
+      <p:pic>
+        <p:nvPicPr>
+          <p:cNvPr id="9" name="図 8">
+            <a:extLst>
+              <a:ext uri="{FF2B5EF4-FFF2-40B4-BE49-F238E27FC236}">
+                <a16:creationId xmlns:a16="http://schemas.microsoft.com/office/drawing/2014/main" id="{3D5E362A-FF87-009C-D87B-712D53808998}"/>
+              </a:ext>
+            </a:extLst>
+          </p:cNvPr>
+          <p:cNvPicPr>
+            <a:picLocks noChangeAspect="1"/>
+          </p:cNvPicPr>
+          <p:nvPr/>
+        </p:nvPicPr>
+        <p:blipFill>
+          <a:blip r:embed="rId4"/>
+          <a:stretch>
+            <a:fillRect/>
+          </a:stretch>
+        </p:blipFill>
+        <p:spPr>
+          <a:xfrm>
+            <a:off x="3863033" y="2264664"/>
+            <a:ext cx="635000" cy="635000"/>
+          </a:xfrm>
+          <a:prstGeom prst="rect">
+            <a:avLst/>
+          </a:prstGeom>
+        </p:spPr>
+      </p:pic>
+      <p:pic>
+        <p:nvPicPr>
+          <p:cNvPr id="11" name="図 10">
+            <a:extLst>
+              <a:ext uri="{FF2B5EF4-FFF2-40B4-BE49-F238E27FC236}">
+                <a16:creationId xmlns:a16="http://schemas.microsoft.com/office/drawing/2014/main" id="{AC4446F7-2416-B2C3-8049-06CA75993AB3}"/>
+              </a:ext>
+            </a:extLst>
+          </p:cNvPr>
+          <p:cNvPicPr>
+            <a:picLocks noChangeAspect="1"/>
+          </p:cNvPicPr>
+          <p:nvPr/>
+        </p:nvPicPr>
+        <p:blipFill>
+          <a:blip r:embed="rId5"/>
+          <a:stretch>
+            <a:fillRect/>
+          </a:stretch>
+        </p:blipFill>
+        <p:spPr>
+          <a:xfrm>
+            <a:off x="4937479" y="2258321"/>
+            <a:ext cx="635000" cy="635000"/>
+          </a:xfrm>
+          <a:prstGeom prst="rect">
+            <a:avLst/>
+          </a:prstGeom>
+        </p:spPr>
+      </p:pic>
+      <p:pic>
+        <p:nvPicPr>
+          <p:cNvPr id="13" name="図 12">
+            <a:extLst>
+              <a:ext uri="{FF2B5EF4-FFF2-40B4-BE49-F238E27FC236}">
+                <a16:creationId xmlns:a16="http://schemas.microsoft.com/office/drawing/2014/main" id="{CAB93036-0316-6DF1-A415-53DDEEEAEEAC}"/>
+              </a:ext>
+            </a:extLst>
+          </p:cNvPr>
+          <p:cNvPicPr>
+            <a:picLocks noChangeAspect="1"/>
+          </p:cNvPicPr>
+          <p:nvPr/>
+        </p:nvPicPr>
+        <p:blipFill>
+          <a:blip r:embed="rId6"/>
+          <a:stretch>
+            <a:fillRect/>
+          </a:stretch>
+        </p:blipFill>
+        <p:spPr>
+          <a:xfrm>
+            <a:off x="3863033" y="3224276"/>
+            <a:ext cx="635000" cy="635000"/>
+          </a:xfrm>
+          <a:prstGeom prst="rect">
+            <a:avLst/>
+          </a:prstGeom>
+        </p:spPr>
+      </p:pic>
+      <p:pic>
+        <p:nvPicPr>
+          <p:cNvPr id="15" name="図 14">
+            <a:extLst>
+              <a:ext uri="{FF2B5EF4-FFF2-40B4-BE49-F238E27FC236}">
+                <a16:creationId xmlns:a16="http://schemas.microsoft.com/office/drawing/2014/main" id="{2EB4AB6F-E977-16B9-389D-D8FA989D5DF6}"/>
+              </a:ext>
+            </a:extLst>
+          </p:cNvPr>
+          <p:cNvPicPr>
+            <a:picLocks noChangeAspect="1"/>
+          </p:cNvPicPr>
+          <p:nvPr/>
+        </p:nvPicPr>
+        <p:blipFill>
+          <a:blip r:embed="rId7"/>
+          <a:stretch>
+            <a:fillRect/>
+          </a:stretch>
+        </p:blipFill>
+        <p:spPr>
+          <a:xfrm>
+            <a:off x="4937072" y="3227951"/>
+            <a:ext cx="635000" cy="635000"/>
+          </a:xfrm>
+          <a:prstGeom prst="rect">
+            <a:avLst/>
+          </a:prstGeom>
+        </p:spPr>
+      </p:pic>
+      <p:pic>
+        <p:nvPicPr>
+          <p:cNvPr id="17" name="図 16">
+            <a:extLst>
+              <a:ext uri="{FF2B5EF4-FFF2-40B4-BE49-F238E27FC236}">
+                <a16:creationId xmlns:a16="http://schemas.microsoft.com/office/drawing/2014/main" id="{2E661C31-B222-35C5-C05E-B98B02DFD9AE}"/>
+              </a:ext>
+            </a:extLst>
+          </p:cNvPr>
+          <p:cNvPicPr>
+            <a:picLocks noChangeAspect="1"/>
+          </p:cNvPicPr>
+          <p:nvPr/>
+        </p:nvPicPr>
+        <p:blipFill>
+          <a:blip r:embed="rId8"/>
+          <a:stretch>
+            <a:fillRect/>
+          </a:stretch>
+        </p:blipFill>
+        <p:spPr>
+          <a:xfrm>
+            <a:off x="3863033" y="4157472"/>
+            <a:ext cx="635000" cy="635000"/>
+          </a:xfrm>
+          <a:prstGeom prst="rect">
+            <a:avLst/>
+          </a:prstGeom>
+        </p:spPr>
+      </p:pic>
+      <p:pic>
+        <p:nvPicPr>
+          <p:cNvPr id="19" name="図 18">
+            <a:extLst>
+              <a:ext uri="{FF2B5EF4-FFF2-40B4-BE49-F238E27FC236}">
+                <a16:creationId xmlns:a16="http://schemas.microsoft.com/office/drawing/2014/main" id="{9518BC0C-55C2-72D4-D4F6-AD718EDF6B93}"/>
+              </a:ext>
+            </a:extLst>
+          </p:cNvPr>
+          <p:cNvPicPr>
+            <a:picLocks noChangeAspect="1"/>
+          </p:cNvPicPr>
+          <p:nvPr/>
+        </p:nvPicPr>
+        <p:blipFill>
+          <a:blip r:embed="rId9"/>
+          <a:stretch>
+            <a:fillRect/>
+          </a:stretch>
+        </p:blipFill>
+        <p:spPr>
+          <a:xfrm>
+            <a:off x="4937072" y="4156186"/>
+            <a:ext cx="635000" cy="635000"/>
+          </a:xfrm>
+          <a:prstGeom prst="rect">
+            <a:avLst/>
+          </a:prstGeom>
+        </p:spPr>
+      </p:pic>
+      <p:sp>
+        <p:nvSpPr>
+          <p:cNvPr id="20" name="右矢印 19">
+            <a:extLst>
+              <a:ext uri="{FF2B5EF4-FFF2-40B4-BE49-F238E27FC236}">
+                <a16:creationId xmlns:a16="http://schemas.microsoft.com/office/drawing/2014/main" id="{800CEFDC-C3CF-647A-A9A9-180289979B2B}"/>
+              </a:ext>
+            </a:extLst>
+          </p:cNvPr>
+          <p:cNvSpPr/>
+          <p:nvPr/>
+        </p:nvSpPr>
+        <p:spPr>
+          <a:xfrm>
+            <a:off x="4562929" y="1553781"/>
+            <a:ext cx="309246" cy="190373"/>
+          </a:xfrm>
+          <a:prstGeom prst="rightArrow">
+            <a:avLst/>
+          </a:prstGeom>
+          <a:solidFill>
+            <a:schemeClr val="bg1"/>
+          </a:solidFill>
+        </p:spPr>
+        <p:style>
+          <a:lnRef idx="2">
+            <a:schemeClr val="accent1">
+              <a:shade val="15000"/>
+            </a:schemeClr>
+          </a:lnRef>
+          <a:fillRef idx="1">
+            <a:schemeClr val="accent1"/>
+          </a:fillRef>
+          <a:effectRef idx="0">
+            <a:schemeClr val="accent1"/>
+          </a:effectRef>
+          <a:fontRef idx="minor">
+            <a:schemeClr val="lt1"/>
+          </a:fontRef>
+        </p:style>
+        <p:txBody>
+          <a:bodyPr rtlCol="0" anchor="ctr"/>
+          <a:lstStyle/>
+          <a:p>
+            <a:pPr algn="ctr"/>
+            <a:endParaRPr kumimoji="1" lang="ja-JP" altLang="en-US"/>
+          </a:p>
+        </p:txBody>
+      </p:sp>
+      <p:sp>
+        <p:nvSpPr>
+          <p:cNvPr id="21" name="右矢印 20">
+            <a:extLst>
+              <a:ext uri="{FF2B5EF4-FFF2-40B4-BE49-F238E27FC236}">
+                <a16:creationId xmlns:a16="http://schemas.microsoft.com/office/drawing/2014/main" id="{0E736F6D-A4A0-2FCC-24CC-1201B5671767}"/>
+              </a:ext>
+            </a:extLst>
+          </p:cNvPr>
+          <p:cNvSpPr/>
+          <p:nvPr/>
+        </p:nvSpPr>
+        <p:spPr>
+          <a:xfrm>
+            <a:off x="4562929" y="2486977"/>
+            <a:ext cx="309246" cy="190373"/>
+          </a:xfrm>
+          <a:prstGeom prst="rightArrow">
+            <a:avLst/>
+          </a:prstGeom>
+          <a:solidFill>
+            <a:schemeClr val="bg1"/>
+          </a:solidFill>
+        </p:spPr>
+        <p:style>
+          <a:lnRef idx="2">
+            <a:schemeClr val="accent1">
+              <a:shade val="15000"/>
+            </a:schemeClr>
+          </a:lnRef>
+          <a:fillRef idx="1">
+            <a:schemeClr val="accent1"/>
+          </a:fillRef>
+          <a:effectRef idx="0">
+            <a:schemeClr val="accent1"/>
+          </a:effectRef>
+          <a:fontRef idx="minor">
+            <a:schemeClr val="lt1"/>
+          </a:fontRef>
+        </p:style>
+        <p:txBody>
+          <a:bodyPr rtlCol="0" anchor="ctr"/>
+          <a:lstStyle/>
+          <a:p>
+            <a:pPr algn="ctr"/>
+            <a:endParaRPr kumimoji="1" lang="ja-JP" altLang="en-US"/>
+          </a:p>
+        </p:txBody>
+      </p:sp>
+      <p:sp>
+        <p:nvSpPr>
+          <p:cNvPr id="22" name="右矢印 21">
+            <a:extLst>
+              <a:ext uri="{FF2B5EF4-FFF2-40B4-BE49-F238E27FC236}">
+                <a16:creationId xmlns:a16="http://schemas.microsoft.com/office/drawing/2014/main" id="{5F5128AF-84CF-67EF-7B8A-B17F63A95353}"/>
+              </a:ext>
+            </a:extLst>
+          </p:cNvPr>
+          <p:cNvSpPr/>
+          <p:nvPr/>
+        </p:nvSpPr>
+        <p:spPr>
+          <a:xfrm>
+            <a:off x="4562929" y="3446589"/>
+            <a:ext cx="309246" cy="190373"/>
+          </a:xfrm>
+          <a:prstGeom prst="rightArrow">
+            <a:avLst/>
+          </a:prstGeom>
+          <a:solidFill>
+            <a:schemeClr val="bg1"/>
+          </a:solidFill>
+        </p:spPr>
+        <p:style>
+          <a:lnRef idx="2">
+            <a:schemeClr val="accent1">
+              <a:shade val="15000"/>
+            </a:schemeClr>
+          </a:lnRef>
+          <a:fillRef idx="1">
+            <a:schemeClr val="accent1"/>
+          </a:fillRef>
+          <a:effectRef idx="0">
+            <a:schemeClr val="accent1"/>
+          </a:effectRef>
+          <a:fontRef idx="minor">
+            <a:schemeClr val="lt1"/>
+          </a:fontRef>
+        </p:style>
+        <p:txBody>
+          <a:bodyPr rtlCol="0" anchor="ctr"/>
+          <a:lstStyle/>
+          <a:p>
+            <a:pPr algn="ctr"/>
+            <a:endParaRPr kumimoji="1" lang="ja-JP" altLang="en-US"/>
+          </a:p>
+        </p:txBody>
+      </p:sp>
+      <p:sp>
+        <p:nvSpPr>
+          <p:cNvPr id="23" name="右矢印 22">
+            <a:extLst>
+              <a:ext uri="{FF2B5EF4-FFF2-40B4-BE49-F238E27FC236}">
+                <a16:creationId xmlns:a16="http://schemas.microsoft.com/office/drawing/2014/main" id="{9DDF3F83-E111-A536-F964-7421E737D995}"/>
+              </a:ext>
+            </a:extLst>
+          </p:cNvPr>
+          <p:cNvSpPr/>
+          <p:nvPr/>
+        </p:nvSpPr>
+        <p:spPr>
+          <a:xfrm>
+            <a:off x="4571374" y="4378499"/>
+            <a:ext cx="309246" cy="190373"/>
+          </a:xfrm>
+          <a:prstGeom prst="rightArrow">
+            <a:avLst/>
+          </a:prstGeom>
+          <a:solidFill>
+            <a:schemeClr val="bg1"/>
+          </a:solidFill>
+        </p:spPr>
+        <p:style>
+          <a:lnRef idx="2">
+            <a:schemeClr val="accent1">
+              <a:shade val="15000"/>
+            </a:schemeClr>
+          </a:lnRef>
+          <a:fillRef idx="1">
+            <a:schemeClr val="accent1"/>
+          </a:fillRef>
+          <a:effectRef idx="0">
+            <a:schemeClr val="accent1"/>
+          </a:effectRef>
+          <a:fontRef idx="minor">
+            <a:schemeClr val="lt1"/>
+          </a:fontRef>
+        </p:style>
+        <p:txBody>
+          <a:bodyPr rtlCol="0" anchor="ctr"/>
+          <a:lstStyle/>
+          <a:p>
+            <a:pPr algn="ctr"/>
+            <a:endParaRPr kumimoji="1" lang="ja-JP" altLang="en-US"/>
+          </a:p>
+        </p:txBody>
+      </p:sp>
+      <p:pic>
+        <p:nvPicPr>
+          <p:cNvPr id="25" name="図 24">
+            <a:extLst>
+              <a:ext uri="{FF2B5EF4-FFF2-40B4-BE49-F238E27FC236}">
+                <a16:creationId xmlns:a16="http://schemas.microsoft.com/office/drawing/2014/main" id="{C070F056-0CBA-45C7-BCD3-B8CE2CFABE89}"/>
+              </a:ext>
+            </a:extLst>
+          </p:cNvPr>
+          <p:cNvPicPr>
+            <a:picLocks noChangeAspect="1"/>
+          </p:cNvPicPr>
+          <p:nvPr/>
+        </p:nvPicPr>
+        <p:blipFill>
+          <a:blip r:embed="rId10"/>
+          <a:stretch>
+            <a:fillRect/>
+          </a:stretch>
+        </p:blipFill>
+        <p:spPr>
+          <a:xfrm>
+            <a:off x="6591792" y="1330356"/>
+            <a:ext cx="635000" cy="635000"/>
+          </a:xfrm>
+          <a:prstGeom prst="rect">
+            <a:avLst/>
+          </a:prstGeom>
+        </p:spPr>
+      </p:pic>
+      <p:pic>
+        <p:nvPicPr>
+          <p:cNvPr id="27" name="図 26">
+            <a:extLst>
+              <a:ext uri="{FF2B5EF4-FFF2-40B4-BE49-F238E27FC236}">
+                <a16:creationId xmlns:a16="http://schemas.microsoft.com/office/drawing/2014/main" id="{8FE4FB2A-1845-68AC-D797-F8FE7090E603}"/>
+              </a:ext>
+            </a:extLst>
+          </p:cNvPr>
+          <p:cNvPicPr>
+            <a:picLocks noChangeAspect="1"/>
+          </p:cNvPicPr>
+          <p:nvPr/>
+        </p:nvPicPr>
+        <p:blipFill>
+          <a:blip r:embed="rId11"/>
+          <a:stretch>
+            <a:fillRect/>
+          </a:stretch>
+        </p:blipFill>
+        <p:spPr>
+          <a:xfrm>
+            <a:off x="7665830" y="1321633"/>
+            <a:ext cx="635000" cy="635000"/>
+          </a:xfrm>
+          <a:prstGeom prst="rect">
+            <a:avLst/>
+          </a:prstGeom>
+        </p:spPr>
+      </p:pic>
+      <p:pic>
+        <p:nvPicPr>
+          <p:cNvPr id="29" name="図 28">
+            <a:extLst>
+              <a:ext uri="{FF2B5EF4-FFF2-40B4-BE49-F238E27FC236}">
+                <a16:creationId xmlns:a16="http://schemas.microsoft.com/office/drawing/2014/main" id="{2E5084A3-394A-69DF-433B-6B717F3297B2}"/>
+              </a:ext>
+            </a:extLst>
+          </p:cNvPr>
+          <p:cNvPicPr>
+            <a:picLocks noChangeAspect="1"/>
+          </p:cNvPicPr>
+          <p:nvPr/>
+        </p:nvPicPr>
+        <p:blipFill>
+          <a:blip r:embed="rId12"/>
+          <a:stretch>
+            <a:fillRect/>
+          </a:stretch>
+        </p:blipFill>
+        <p:spPr>
+          <a:xfrm>
+            <a:off x="6591791" y="2254935"/>
+            <a:ext cx="635000" cy="635000"/>
+          </a:xfrm>
+          <a:prstGeom prst="rect">
+            <a:avLst/>
+          </a:prstGeom>
+        </p:spPr>
+      </p:pic>
+      <p:pic>
+        <p:nvPicPr>
+          <p:cNvPr id="31" name="図 30">
+            <a:extLst>
+              <a:ext uri="{FF2B5EF4-FFF2-40B4-BE49-F238E27FC236}">
+                <a16:creationId xmlns:a16="http://schemas.microsoft.com/office/drawing/2014/main" id="{844F98E7-05BB-4602-0CD5-006810739300}"/>
+              </a:ext>
+            </a:extLst>
+          </p:cNvPr>
+          <p:cNvPicPr>
+            <a:picLocks noChangeAspect="1"/>
+          </p:cNvPicPr>
+          <p:nvPr/>
+        </p:nvPicPr>
+        <p:blipFill>
+          <a:blip r:embed="rId13"/>
+          <a:stretch>
+            <a:fillRect/>
+          </a:stretch>
+        </p:blipFill>
+        <p:spPr>
+          <a:xfrm>
+            <a:off x="7665830" y="2249868"/>
+            <a:ext cx="635000" cy="635000"/>
+          </a:xfrm>
+          <a:prstGeom prst="rect">
+            <a:avLst/>
+          </a:prstGeom>
+        </p:spPr>
+      </p:pic>
+      <p:pic>
+        <p:nvPicPr>
+          <p:cNvPr id="33" name="図 32">
+            <a:extLst>
+              <a:ext uri="{FF2B5EF4-FFF2-40B4-BE49-F238E27FC236}">
+                <a16:creationId xmlns:a16="http://schemas.microsoft.com/office/drawing/2014/main" id="{16370AC1-021D-15B9-86A1-675699117733}"/>
+              </a:ext>
+            </a:extLst>
+          </p:cNvPr>
+          <p:cNvPicPr>
+            <a:picLocks noChangeAspect="1"/>
+          </p:cNvPicPr>
+          <p:nvPr/>
+        </p:nvPicPr>
+        <p:blipFill>
+          <a:blip r:embed="rId14"/>
+          <a:stretch>
+            <a:fillRect/>
+          </a:stretch>
+        </p:blipFill>
+        <p:spPr>
+          <a:xfrm>
+            <a:off x="6591791" y="3214547"/>
+            <a:ext cx="635000" cy="635000"/>
+          </a:xfrm>
+          <a:prstGeom prst="rect">
+            <a:avLst/>
+          </a:prstGeom>
+        </p:spPr>
+      </p:pic>
+      <p:pic>
+        <p:nvPicPr>
+          <p:cNvPr id="35" name="図 34">
+            <a:extLst>
+              <a:ext uri="{FF2B5EF4-FFF2-40B4-BE49-F238E27FC236}">
+                <a16:creationId xmlns:a16="http://schemas.microsoft.com/office/drawing/2014/main" id="{3C989422-A76B-BF9B-56FE-1AE1FAD4C4EC}"/>
+              </a:ext>
+            </a:extLst>
+          </p:cNvPr>
+          <p:cNvPicPr>
+            <a:picLocks noChangeAspect="1"/>
+          </p:cNvPicPr>
+          <p:nvPr/>
+        </p:nvPicPr>
+        <p:blipFill>
+          <a:blip r:embed="rId15"/>
+          <a:stretch>
+            <a:fillRect/>
+          </a:stretch>
+        </p:blipFill>
+        <p:spPr>
+          <a:xfrm>
+            <a:off x="7665830" y="3224276"/>
+            <a:ext cx="635000" cy="635000"/>
+          </a:xfrm>
+          <a:prstGeom prst="rect">
+            <a:avLst/>
+          </a:prstGeom>
+        </p:spPr>
+      </p:pic>
+      <p:pic>
+        <p:nvPicPr>
+          <p:cNvPr id="41" name="図 40">
+            <a:extLst>
+              <a:ext uri="{FF2B5EF4-FFF2-40B4-BE49-F238E27FC236}">
+                <a16:creationId xmlns:a16="http://schemas.microsoft.com/office/drawing/2014/main" id="{A5BF3103-E544-A8E2-6F17-9559E8476110}"/>
+              </a:ext>
+            </a:extLst>
+          </p:cNvPr>
+          <p:cNvPicPr>
+            <a:picLocks noChangeAspect="1"/>
+          </p:cNvPicPr>
+          <p:nvPr/>
+        </p:nvPicPr>
+        <p:blipFill>
+          <a:blip r:embed="rId16"/>
+          <a:stretch>
+            <a:fillRect/>
+          </a:stretch>
+        </p:blipFill>
+        <p:spPr>
+          <a:xfrm>
+            <a:off x="6591791" y="4155073"/>
+            <a:ext cx="635000" cy="635000"/>
+          </a:xfrm>
+          <a:prstGeom prst="rect">
+            <a:avLst/>
+          </a:prstGeom>
+        </p:spPr>
+      </p:pic>
+      <p:pic>
+        <p:nvPicPr>
+          <p:cNvPr id="43" name="図 42">
+            <a:extLst>
+              <a:ext uri="{FF2B5EF4-FFF2-40B4-BE49-F238E27FC236}">
+                <a16:creationId xmlns:a16="http://schemas.microsoft.com/office/drawing/2014/main" id="{8425F39F-38A7-AC5C-E634-7DEBC72460DA}"/>
+              </a:ext>
+            </a:extLst>
+          </p:cNvPr>
+          <p:cNvPicPr>
+            <a:picLocks noChangeAspect="1"/>
+          </p:cNvPicPr>
+          <p:nvPr/>
+        </p:nvPicPr>
+        <p:blipFill>
+          <a:blip r:embed="rId17"/>
+          <a:stretch>
+            <a:fillRect/>
+          </a:stretch>
+        </p:blipFill>
+        <p:spPr>
+          <a:xfrm>
+            <a:off x="7665830" y="4155073"/>
+            <a:ext cx="635000" cy="635000"/>
+          </a:xfrm>
+          <a:prstGeom prst="rect">
+            <a:avLst/>
+          </a:prstGeom>
+        </p:spPr>
+      </p:pic>
+      <p:sp>
+        <p:nvSpPr>
+          <p:cNvPr id="52" name="右矢印 51">
+            <a:extLst>
+              <a:ext uri="{FF2B5EF4-FFF2-40B4-BE49-F238E27FC236}">
+                <a16:creationId xmlns:a16="http://schemas.microsoft.com/office/drawing/2014/main" id="{7F9AB30E-A174-170D-BDA8-ADC662DAD6A9}"/>
+              </a:ext>
+            </a:extLst>
+          </p:cNvPr>
+          <p:cNvSpPr/>
+          <p:nvPr/>
+        </p:nvSpPr>
+        <p:spPr>
+          <a:xfrm>
+            <a:off x="7291688" y="1552669"/>
+            <a:ext cx="309246" cy="190373"/>
+          </a:xfrm>
+          <a:prstGeom prst="rightArrow">
+            <a:avLst/>
+          </a:prstGeom>
+          <a:solidFill>
+            <a:schemeClr val="bg1"/>
+          </a:solidFill>
+        </p:spPr>
+        <p:style>
+          <a:lnRef idx="2">
+            <a:schemeClr val="accent1">
+              <a:shade val="15000"/>
+            </a:schemeClr>
+          </a:lnRef>
+          <a:fillRef idx="1">
+            <a:schemeClr val="accent1"/>
+          </a:fillRef>
+          <a:effectRef idx="0">
+            <a:schemeClr val="accent1"/>
+          </a:effectRef>
+          <a:fontRef idx="minor">
+            <a:schemeClr val="lt1"/>
+          </a:fontRef>
+        </p:style>
+        <p:txBody>
+          <a:bodyPr rtlCol="0" anchor="ctr"/>
+          <a:lstStyle/>
+          <a:p>
+            <a:pPr algn="ctr"/>
+            <a:endParaRPr kumimoji="1" lang="ja-JP" altLang="en-US"/>
+          </a:p>
+        </p:txBody>
+      </p:sp>
+      <p:sp>
+        <p:nvSpPr>
+          <p:cNvPr id="53" name="右矢印 52">
+            <a:extLst>
+              <a:ext uri="{FF2B5EF4-FFF2-40B4-BE49-F238E27FC236}">
+                <a16:creationId xmlns:a16="http://schemas.microsoft.com/office/drawing/2014/main" id="{D02F976C-7AEB-B97C-3DF0-831A71FC2F17}"/>
+              </a:ext>
+            </a:extLst>
+          </p:cNvPr>
+          <p:cNvSpPr/>
+          <p:nvPr/>
+        </p:nvSpPr>
+        <p:spPr>
+          <a:xfrm>
+            <a:off x="7291688" y="2485865"/>
+            <a:ext cx="309246" cy="190373"/>
+          </a:xfrm>
+          <a:prstGeom prst="rightArrow">
+            <a:avLst/>
+          </a:prstGeom>
+          <a:solidFill>
+            <a:schemeClr val="bg1"/>
+          </a:solidFill>
+        </p:spPr>
+        <p:style>
+          <a:lnRef idx="2">
+            <a:schemeClr val="accent1">
+              <a:shade val="15000"/>
+            </a:schemeClr>
+          </a:lnRef>
+          <a:fillRef idx="1">
+            <a:schemeClr val="accent1"/>
+          </a:fillRef>
+          <a:effectRef idx="0">
+            <a:schemeClr val="accent1"/>
+          </a:effectRef>
+          <a:fontRef idx="minor">
+            <a:schemeClr val="lt1"/>
+          </a:fontRef>
+        </p:style>
+        <p:txBody>
+          <a:bodyPr rtlCol="0" anchor="ctr"/>
+          <a:lstStyle/>
+          <a:p>
+            <a:pPr algn="ctr"/>
+            <a:endParaRPr kumimoji="1" lang="ja-JP" altLang="en-US"/>
+          </a:p>
+        </p:txBody>
+      </p:sp>
+      <p:sp>
+        <p:nvSpPr>
+          <p:cNvPr id="54" name="右矢印 53">
+            <a:extLst>
+              <a:ext uri="{FF2B5EF4-FFF2-40B4-BE49-F238E27FC236}">
+                <a16:creationId xmlns:a16="http://schemas.microsoft.com/office/drawing/2014/main" id="{A04A7276-8EE3-F21E-0FF4-E65DCFC4EC2A}"/>
+              </a:ext>
+            </a:extLst>
+          </p:cNvPr>
+          <p:cNvSpPr/>
+          <p:nvPr/>
+        </p:nvSpPr>
+        <p:spPr>
+          <a:xfrm>
+            <a:off x="7291688" y="3445477"/>
+            <a:ext cx="309246" cy="190373"/>
+          </a:xfrm>
+          <a:prstGeom prst="rightArrow">
+            <a:avLst/>
+          </a:prstGeom>
+          <a:solidFill>
+            <a:schemeClr val="bg1"/>
+          </a:solidFill>
+        </p:spPr>
+        <p:style>
+          <a:lnRef idx="2">
+            <a:schemeClr val="accent1">
+              <a:shade val="15000"/>
+            </a:schemeClr>
+          </a:lnRef>
+          <a:fillRef idx="1">
+            <a:schemeClr val="accent1"/>
+          </a:fillRef>
+          <a:effectRef idx="0">
+            <a:schemeClr val="accent1"/>
+          </a:effectRef>
+          <a:fontRef idx="minor">
+            <a:schemeClr val="lt1"/>
+          </a:fontRef>
+        </p:style>
+        <p:txBody>
+          <a:bodyPr rtlCol="0" anchor="ctr"/>
+          <a:lstStyle/>
+          <a:p>
+            <a:pPr algn="ctr"/>
+            <a:endParaRPr kumimoji="1" lang="ja-JP" altLang="en-US"/>
+          </a:p>
+        </p:txBody>
+      </p:sp>
+      <p:sp>
+        <p:nvSpPr>
+          <p:cNvPr id="55" name="右矢印 54">
+            <a:extLst>
+              <a:ext uri="{FF2B5EF4-FFF2-40B4-BE49-F238E27FC236}">
+                <a16:creationId xmlns:a16="http://schemas.microsoft.com/office/drawing/2014/main" id="{9FB076B6-E810-53CF-C88E-1AA40C1157E8}"/>
+              </a:ext>
+            </a:extLst>
+          </p:cNvPr>
+          <p:cNvSpPr/>
+          <p:nvPr/>
+        </p:nvSpPr>
+        <p:spPr>
+          <a:xfrm>
+            <a:off x="7300133" y="4377387"/>
+            <a:ext cx="309246" cy="190373"/>
+          </a:xfrm>
+          <a:prstGeom prst="rightArrow">
+            <a:avLst/>
+          </a:prstGeom>
+          <a:solidFill>
+            <a:schemeClr val="bg1"/>
+          </a:solidFill>
+        </p:spPr>
+        <p:style>
+          <a:lnRef idx="2">
+            <a:schemeClr val="accent1">
+              <a:shade val="15000"/>
+            </a:schemeClr>
+          </a:lnRef>
+          <a:fillRef idx="1">
+            <a:schemeClr val="accent1"/>
+          </a:fillRef>
+          <a:effectRef idx="0">
+            <a:schemeClr val="accent1"/>
+          </a:effectRef>
+          <a:fontRef idx="minor">
+            <a:schemeClr val="lt1"/>
+          </a:fontRef>
+        </p:style>
+        <p:txBody>
+          <a:bodyPr rtlCol="0" anchor="ctr"/>
+          <a:lstStyle/>
+          <a:p>
+            <a:pPr algn="ctr"/>
+            <a:endParaRPr kumimoji="1" lang="ja-JP" altLang="en-US"/>
+          </a:p>
+        </p:txBody>
+      </p:sp>
+      <p:sp>
+        <p:nvSpPr>
+          <p:cNvPr id="56" name="テキスト ボックス 55">
+            <a:extLst>
+              <a:ext uri="{FF2B5EF4-FFF2-40B4-BE49-F238E27FC236}">
+                <a16:creationId xmlns:a16="http://schemas.microsoft.com/office/drawing/2014/main" id="{113418C0-7104-D6E6-E2B4-10B7889B98DC}"/>
+              </a:ext>
+            </a:extLst>
+          </p:cNvPr>
+          <p:cNvSpPr txBox="1"/>
+          <p:nvPr/>
+        </p:nvSpPr>
+        <p:spPr>
+          <a:xfrm>
+            <a:off x="3863032" y="944579"/>
+            <a:ext cx="635001" cy="338554"/>
+          </a:xfrm>
+          <a:prstGeom prst="rect">
+            <a:avLst/>
+          </a:prstGeom>
+          <a:noFill/>
+        </p:spPr>
+        <p:txBody>
+          <a:bodyPr wrap="square" rtlCol="0">
+            <a:spAutoFit/>
+          </a:bodyPr>
+          <a:lstStyle/>
+          <a:p>
+            <a:pPr algn="ctr"/>
+            <a:r>
+              <a:rPr kumimoji="1" lang="ja-JP" altLang="en-US" sz="1600">
+                <a:latin typeface="Yu Mincho" panose="02020400000000000000" pitchFamily="18" charset="-128"/>
+                <a:ea typeface="Yu Mincho" panose="02020400000000000000" pitchFamily="18" charset="-128"/>
+              </a:rPr>
+              <a:t>抽出</a:t>
+            </a:r>
+          </a:p>
+        </p:txBody>
+      </p:sp>
+      <p:sp>
+        <p:nvSpPr>
+          <p:cNvPr id="57" name="テキスト ボックス 56">
+            <a:extLst>
+              <a:ext uri="{FF2B5EF4-FFF2-40B4-BE49-F238E27FC236}">
+                <a16:creationId xmlns:a16="http://schemas.microsoft.com/office/drawing/2014/main" id="{4400DAC6-08F7-1A14-51B0-580A381FABF5}"/>
+              </a:ext>
+            </a:extLst>
+          </p:cNvPr>
+          <p:cNvSpPr txBox="1"/>
+          <p:nvPr/>
+        </p:nvSpPr>
+        <p:spPr>
+          <a:xfrm>
+            <a:off x="4937071" y="944579"/>
+            <a:ext cx="635001" cy="338554"/>
+          </a:xfrm>
+          <a:prstGeom prst="rect">
+            <a:avLst/>
+          </a:prstGeom>
+          <a:noFill/>
+        </p:spPr>
+        <p:txBody>
+          <a:bodyPr wrap="square" rtlCol="0">
+            <a:spAutoFit/>
+          </a:bodyPr>
+          <a:lstStyle/>
+          <a:p>
+            <a:pPr algn="ctr"/>
+            <a:r>
+              <a:rPr lang="ja-JP" altLang="en-US" sz="1600">
+                <a:latin typeface="Yu Mincho" panose="02020400000000000000" pitchFamily="18" charset="-128"/>
+                <a:ea typeface="Yu Mincho" panose="02020400000000000000" pitchFamily="18" charset="-128"/>
+              </a:rPr>
+              <a:t>推定</a:t>
+            </a:r>
+            <a:endParaRPr kumimoji="1" lang="ja-JP" altLang="en-US" sz="1600">
+              <a:latin typeface="Yu Mincho" panose="02020400000000000000" pitchFamily="18" charset="-128"/>
+              <a:ea typeface="Yu Mincho" panose="02020400000000000000" pitchFamily="18" charset="-128"/>
+            </a:endParaRPr>
+          </a:p>
+        </p:txBody>
+      </p:sp>
+      <p:sp>
+        <p:nvSpPr>
+          <p:cNvPr id="58" name="テキスト ボックス 57">
+            <a:extLst>
+              <a:ext uri="{FF2B5EF4-FFF2-40B4-BE49-F238E27FC236}">
+                <a16:creationId xmlns:a16="http://schemas.microsoft.com/office/drawing/2014/main" id="{813067F6-2BBB-8C18-448F-C17DCE14E798}"/>
+              </a:ext>
+            </a:extLst>
+          </p:cNvPr>
+          <p:cNvSpPr txBox="1"/>
+          <p:nvPr/>
+        </p:nvSpPr>
+        <p:spPr>
+          <a:xfrm>
+            <a:off x="6591791" y="944579"/>
+            <a:ext cx="635001" cy="338554"/>
+          </a:xfrm>
+          <a:prstGeom prst="rect">
+            <a:avLst/>
+          </a:prstGeom>
+          <a:noFill/>
+        </p:spPr>
+        <p:txBody>
+          <a:bodyPr wrap="square" rtlCol="0">
+            <a:spAutoFit/>
+          </a:bodyPr>
+          <a:lstStyle/>
+          <a:p>
+            <a:pPr algn="ctr"/>
+            <a:r>
+              <a:rPr kumimoji="1" lang="ja-JP" altLang="en-US" sz="1600">
+                <a:latin typeface="Yu Mincho" panose="02020400000000000000" pitchFamily="18" charset="-128"/>
+                <a:ea typeface="Yu Mincho" panose="02020400000000000000" pitchFamily="18" charset="-128"/>
+              </a:rPr>
+              <a:t>抽出</a:t>
+            </a:r>
+          </a:p>
+        </p:txBody>
+      </p:sp>
+      <p:sp>
+        <p:nvSpPr>
+          <p:cNvPr id="59" name="テキスト ボックス 58">
+            <a:extLst>
+              <a:ext uri="{FF2B5EF4-FFF2-40B4-BE49-F238E27FC236}">
+                <a16:creationId xmlns:a16="http://schemas.microsoft.com/office/drawing/2014/main" id="{5B658A6B-1A66-28AA-DEE8-6CBCAF2ACDF8}"/>
+              </a:ext>
+            </a:extLst>
+          </p:cNvPr>
+          <p:cNvSpPr txBox="1"/>
+          <p:nvPr/>
+        </p:nvSpPr>
+        <p:spPr>
+          <a:xfrm>
+            <a:off x="7665829" y="944579"/>
+            <a:ext cx="635001" cy="338554"/>
+          </a:xfrm>
+          <a:prstGeom prst="rect">
+            <a:avLst/>
+          </a:prstGeom>
+          <a:noFill/>
+        </p:spPr>
+        <p:txBody>
+          <a:bodyPr wrap="square" rtlCol="0">
+            <a:spAutoFit/>
+          </a:bodyPr>
+          <a:lstStyle/>
+          <a:p>
+            <a:pPr algn="ctr"/>
+            <a:r>
+              <a:rPr lang="ja-JP" altLang="en-US" sz="1600">
+                <a:latin typeface="Yu Mincho" panose="02020400000000000000" pitchFamily="18" charset="-128"/>
+                <a:ea typeface="Yu Mincho" panose="02020400000000000000" pitchFamily="18" charset="-128"/>
+              </a:rPr>
+              <a:t>推定</a:t>
+            </a:r>
+            <a:endParaRPr kumimoji="1" lang="ja-JP" altLang="en-US" sz="1600">
+              <a:latin typeface="Yu Mincho" panose="02020400000000000000" pitchFamily="18" charset="-128"/>
+              <a:ea typeface="Yu Mincho" panose="02020400000000000000" pitchFamily="18" charset="-128"/>
+            </a:endParaRPr>
+          </a:p>
+        </p:txBody>
+      </p:sp>
+    </p:spTree>
+    <p:extLst>
+      <p:ext uri="{BB962C8B-B14F-4D97-AF65-F5344CB8AC3E}">
+        <p14:creationId xmlns:p14="http://schemas.microsoft.com/office/powerpoint/2010/main" val="828246963"/>
+      </p:ext>
+    </p:extLst>
+  </p:cSld>
+  <p:clrMapOvr>
+    <a:masterClrMapping/>
+  </p:clrMapOvr>
+</p:sld>
+</file>
+
+<file path=ppt/slides/slide6.xml><?xml version="1.0" encoding="utf-8"?>
 <p:sld xmlns:a="http://schemas.openxmlformats.org/drawingml/2006/main" xmlns:r="http://schemas.openxmlformats.org/officeDocument/2006/relationships" xmlns:p="http://schemas.openxmlformats.org/presentationml/2006/main">
   <p:cSld>
     <p:spTree>

--- a/修論の図.pptx
+++ b/修論の図.pptx
@@ -10,7 +10,8 @@
     <p:sldId id="259" r:id="rId4"/>
     <p:sldId id="260" r:id="rId5"/>
     <p:sldId id="261" r:id="rId6"/>
-    <p:sldId id="257" r:id="rId7"/>
+    <p:sldId id="262" r:id="rId7"/>
+    <p:sldId id="257" r:id="rId8"/>
   </p:sldIdLst>
   <p:sldSz cx="12192000" cy="6858000"/>
   <p:notesSz cx="6858000" cy="9144000"/>
@@ -264,7 +265,7 @@
           <a:p>
             <a:fld id="{E52EB15A-F151-1244-8A13-DD7702844EEB}" type="datetimeFigureOut">
               <a:rPr kumimoji="1" lang="ja-JP" altLang="en-US" smtClean="0"/>
-              <a:t>2023/12/30</a:t>
+              <a:t>2024/1/1</a:t>
             </a:fld>
             <a:endParaRPr kumimoji="1" lang="ja-JP" altLang="en-US"/>
           </a:p>
@@ -494,7 +495,7 @@
           <a:p>
             <a:fld id="{E52EB15A-F151-1244-8A13-DD7702844EEB}" type="datetimeFigureOut">
               <a:rPr kumimoji="1" lang="ja-JP" altLang="en-US" smtClean="0"/>
-              <a:t>2023/12/30</a:t>
+              <a:t>2024/1/1</a:t>
             </a:fld>
             <a:endParaRPr kumimoji="1" lang="ja-JP" altLang="en-US"/>
           </a:p>
@@ -734,7 +735,7 @@
           <a:p>
             <a:fld id="{E52EB15A-F151-1244-8A13-DD7702844EEB}" type="datetimeFigureOut">
               <a:rPr kumimoji="1" lang="ja-JP" altLang="en-US" smtClean="0"/>
-              <a:t>2023/12/30</a:t>
+              <a:t>2024/1/1</a:t>
             </a:fld>
             <a:endParaRPr kumimoji="1" lang="ja-JP" altLang="en-US"/>
           </a:p>
@@ -964,7 +965,7 @@
           <a:p>
             <a:fld id="{E52EB15A-F151-1244-8A13-DD7702844EEB}" type="datetimeFigureOut">
               <a:rPr kumimoji="1" lang="ja-JP" altLang="en-US" smtClean="0"/>
-              <a:t>2023/12/30</a:t>
+              <a:t>2024/1/1</a:t>
             </a:fld>
             <a:endParaRPr kumimoji="1" lang="ja-JP" altLang="en-US"/>
           </a:p>
@@ -1239,7 +1240,7 @@
           <a:p>
             <a:fld id="{E52EB15A-F151-1244-8A13-DD7702844EEB}" type="datetimeFigureOut">
               <a:rPr kumimoji="1" lang="ja-JP" altLang="en-US" smtClean="0"/>
-              <a:t>2023/12/30</a:t>
+              <a:t>2024/1/1</a:t>
             </a:fld>
             <a:endParaRPr kumimoji="1" lang="ja-JP" altLang="en-US"/>
           </a:p>
@@ -1568,7 +1569,7 @@
           <a:p>
             <a:fld id="{E52EB15A-F151-1244-8A13-DD7702844EEB}" type="datetimeFigureOut">
               <a:rPr kumimoji="1" lang="ja-JP" altLang="en-US" smtClean="0"/>
-              <a:t>2023/12/30</a:t>
+              <a:t>2024/1/1</a:t>
             </a:fld>
             <a:endParaRPr kumimoji="1" lang="ja-JP" altLang="en-US"/>
           </a:p>
@@ -2044,7 +2045,7 @@
           <a:p>
             <a:fld id="{E52EB15A-F151-1244-8A13-DD7702844EEB}" type="datetimeFigureOut">
               <a:rPr kumimoji="1" lang="ja-JP" altLang="en-US" smtClean="0"/>
-              <a:t>2023/12/30</a:t>
+              <a:t>2024/1/1</a:t>
             </a:fld>
             <a:endParaRPr kumimoji="1" lang="ja-JP" altLang="en-US"/>
           </a:p>
@@ -2185,7 +2186,7 @@
           <a:p>
             <a:fld id="{E52EB15A-F151-1244-8A13-DD7702844EEB}" type="datetimeFigureOut">
               <a:rPr kumimoji="1" lang="ja-JP" altLang="en-US" smtClean="0"/>
-              <a:t>2023/12/30</a:t>
+              <a:t>2024/1/1</a:t>
             </a:fld>
             <a:endParaRPr kumimoji="1" lang="ja-JP" altLang="en-US"/>
           </a:p>
@@ -2298,7 +2299,7 @@
           <a:p>
             <a:fld id="{E52EB15A-F151-1244-8A13-DD7702844EEB}" type="datetimeFigureOut">
               <a:rPr kumimoji="1" lang="ja-JP" altLang="en-US" smtClean="0"/>
-              <a:t>2023/12/30</a:t>
+              <a:t>2024/1/1</a:t>
             </a:fld>
             <a:endParaRPr kumimoji="1" lang="ja-JP" altLang="en-US"/>
           </a:p>
@@ -2641,7 +2642,7 @@
           <a:p>
             <a:fld id="{E52EB15A-F151-1244-8A13-DD7702844EEB}" type="datetimeFigureOut">
               <a:rPr kumimoji="1" lang="ja-JP" altLang="en-US" smtClean="0"/>
-              <a:t>2023/12/30</a:t>
+              <a:t>2024/1/1</a:t>
             </a:fld>
             <a:endParaRPr kumimoji="1" lang="ja-JP" altLang="en-US"/>
           </a:p>
@@ -2929,7 +2930,7 @@
           <a:p>
             <a:fld id="{E52EB15A-F151-1244-8A13-DD7702844EEB}" type="datetimeFigureOut">
               <a:rPr kumimoji="1" lang="ja-JP" altLang="en-US" smtClean="0"/>
-              <a:t>2023/12/30</a:t>
+              <a:t>2024/1/1</a:t>
             </a:fld>
             <a:endParaRPr kumimoji="1" lang="ja-JP" altLang="en-US"/>
           </a:p>
@@ -3202,7 +3203,7 @@
           <a:p>
             <a:fld id="{E52EB15A-F151-1244-8A13-DD7702844EEB}" type="datetimeFigureOut">
               <a:rPr kumimoji="1" lang="ja-JP" altLang="en-US" smtClean="0"/>
-              <a:t>2023/12/30</a:t>
+              <a:t>2024/1/1</a:t>
             </a:fld>
             <a:endParaRPr kumimoji="1" lang="ja-JP" altLang="en-US"/>
           </a:p>
@@ -6256,6 +6257,723 @@
           <a:chExt cx="0" cy="0"/>
         </a:xfrm>
       </p:grpSpPr>
+      <p:sp>
+        <p:nvSpPr>
+          <p:cNvPr id="12" name="テキスト ボックス 11">
+            <a:extLst>
+              <a:ext uri="{FF2B5EF4-FFF2-40B4-BE49-F238E27FC236}">
+                <a16:creationId xmlns:a16="http://schemas.microsoft.com/office/drawing/2014/main" id="{9CE9B204-DCB2-EA67-4561-174EFD197F6A}"/>
+              </a:ext>
+            </a:extLst>
+          </p:cNvPr>
+          <p:cNvSpPr txBox="1"/>
+          <p:nvPr/>
+        </p:nvSpPr>
+        <p:spPr>
+          <a:xfrm>
+            <a:off x="5811480" y="2678712"/>
+            <a:ext cx="2104767" cy="338554"/>
+          </a:xfrm>
+          <a:prstGeom prst="rect">
+            <a:avLst/>
+          </a:prstGeom>
+          <a:noFill/>
+        </p:spPr>
+        <p:txBody>
+          <a:bodyPr wrap="square" rtlCol="0">
+            <a:spAutoFit/>
+          </a:bodyPr>
+          <a:lstStyle/>
+          <a:p>
+            <a:pPr algn="ctr"/>
+            <a:r>
+              <a:rPr lang="ja-JP" altLang="en-US" sz="1600">
+                <a:latin typeface="Yu Mincho" panose="02020400000000000000" pitchFamily="18" charset="-128"/>
+                <a:ea typeface="Yu Mincho" panose="02020400000000000000" pitchFamily="18" charset="-128"/>
+              </a:rPr>
+              <a:t>想定される入力画像</a:t>
+            </a:r>
+            <a:endParaRPr kumimoji="1" lang="ja-JP" altLang="en-US" sz="1600">
+              <a:latin typeface="Yu Mincho" panose="02020400000000000000" pitchFamily="18" charset="-128"/>
+              <a:ea typeface="Yu Mincho" panose="02020400000000000000" pitchFamily="18" charset="-128"/>
+            </a:endParaRPr>
+          </a:p>
+        </p:txBody>
+      </p:sp>
+      <p:sp>
+        <p:nvSpPr>
+          <p:cNvPr id="13" name="テキスト ボックス 12">
+            <a:extLst>
+              <a:ext uri="{FF2B5EF4-FFF2-40B4-BE49-F238E27FC236}">
+                <a16:creationId xmlns:a16="http://schemas.microsoft.com/office/drawing/2014/main" id="{C0152996-A1E7-E388-EAA8-2D69D5988050}"/>
+              </a:ext>
+            </a:extLst>
+          </p:cNvPr>
+          <p:cNvSpPr txBox="1"/>
+          <p:nvPr/>
+        </p:nvSpPr>
+        <p:spPr>
+          <a:xfrm>
+            <a:off x="1187104" y="4285066"/>
+            <a:ext cx="1969981" cy="338554"/>
+          </a:xfrm>
+          <a:prstGeom prst="rect">
+            <a:avLst/>
+          </a:prstGeom>
+          <a:noFill/>
+        </p:spPr>
+        <p:txBody>
+          <a:bodyPr wrap="square" rtlCol="0">
+            <a:spAutoFit/>
+          </a:bodyPr>
+          <a:lstStyle/>
+          <a:p>
+            <a:pPr algn="ctr"/>
+            <a:r>
+              <a:rPr lang="ja-JP" altLang="en-US" sz="1600">
+                <a:latin typeface="Yu Mincho" panose="02020400000000000000" pitchFamily="18" charset="-128"/>
+                <a:ea typeface="Yu Mincho" panose="02020400000000000000" pitchFamily="18" charset="-128"/>
+              </a:rPr>
+              <a:t>元の顔画像</a:t>
+            </a:r>
+            <a:endParaRPr kumimoji="1" lang="ja-JP" altLang="en-US" sz="1600">
+              <a:latin typeface="Yu Mincho" panose="02020400000000000000" pitchFamily="18" charset="-128"/>
+              <a:ea typeface="Yu Mincho" panose="02020400000000000000" pitchFamily="18" charset="-128"/>
+            </a:endParaRPr>
+          </a:p>
+        </p:txBody>
+      </p:sp>
+      <p:sp>
+        <p:nvSpPr>
+          <p:cNvPr id="15" name="テキスト ボックス 14">
+            <a:extLst>
+              <a:ext uri="{FF2B5EF4-FFF2-40B4-BE49-F238E27FC236}">
+                <a16:creationId xmlns:a16="http://schemas.microsoft.com/office/drawing/2014/main" id="{C8FDDF76-2C93-0A1F-18F7-8807AB154A85}"/>
+              </a:ext>
+            </a:extLst>
+          </p:cNvPr>
+          <p:cNvSpPr txBox="1"/>
+          <p:nvPr/>
+        </p:nvSpPr>
+        <p:spPr>
+          <a:xfrm>
+            <a:off x="3517305" y="4554404"/>
+            <a:ext cx="1516002" cy="584775"/>
+          </a:xfrm>
+          <a:prstGeom prst="rect">
+            <a:avLst/>
+          </a:prstGeom>
+          <a:noFill/>
+        </p:spPr>
+        <p:txBody>
+          <a:bodyPr wrap="square" rtlCol="0">
+            <a:spAutoFit/>
+          </a:bodyPr>
+          <a:lstStyle/>
+          <a:p>
+            <a:pPr algn="ctr"/>
+            <a:r>
+              <a:rPr kumimoji="1" lang="ja-JP" altLang="en-US" sz="1600">
+                <a:latin typeface="Yu Mincho" panose="02020400000000000000" pitchFamily="18" charset="-128"/>
+                <a:ea typeface="Yu Mincho" panose="02020400000000000000" pitchFamily="18" charset="-128"/>
+              </a:rPr>
+              <a:t>少し暗く</a:t>
+            </a:r>
+            <a:endParaRPr kumimoji="1" lang="en-US" altLang="ja-JP" sz="1600" dirty="0">
+              <a:latin typeface="Yu Mincho" panose="02020400000000000000" pitchFamily="18" charset="-128"/>
+              <a:ea typeface="Yu Mincho" panose="02020400000000000000" pitchFamily="18" charset="-128"/>
+            </a:endParaRPr>
+          </a:p>
+          <a:p>
+            <a:pPr algn="ctr"/>
+            <a:r>
+              <a:rPr kumimoji="1" lang="ja-JP" altLang="en-US" sz="1600">
+                <a:latin typeface="Yu Mincho" panose="02020400000000000000" pitchFamily="18" charset="-128"/>
+                <a:ea typeface="Yu Mincho" panose="02020400000000000000" pitchFamily="18" charset="-128"/>
+              </a:rPr>
+              <a:t>加工</a:t>
+            </a:r>
+            <a:endParaRPr kumimoji="1" lang="en-US" altLang="ja-JP" sz="1600" dirty="0">
+              <a:latin typeface="Yu Mincho" panose="02020400000000000000" pitchFamily="18" charset="-128"/>
+              <a:ea typeface="Yu Mincho" panose="02020400000000000000" pitchFamily="18" charset="-128"/>
+            </a:endParaRPr>
+          </a:p>
+        </p:txBody>
+      </p:sp>
+      <p:pic>
+        <p:nvPicPr>
+          <p:cNvPr id="17" name="図 16">
+            <a:extLst>
+              <a:ext uri="{FF2B5EF4-FFF2-40B4-BE49-F238E27FC236}">
+                <a16:creationId xmlns:a16="http://schemas.microsoft.com/office/drawing/2014/main" id="{D44DF540-870C-E423-8D20-38A8CAF6AB00}"/>
+              </a:ext>
+            </a:extLst>
+          </p:cNvPr>
+          <p:cNvPicPr>
+            <a:picLocks noChangeAspect="1"/>
+          </p:cNvPicPr>
+          <p:nvPr/>
+        </p:nvPicPr>
+        <p:blipFill>
+          <a:blip r:embed="rId2"/>
+          <a:stretch>
+            <a:fillRect/>
+          </a:stretch>
+        </p:blipFill>
+        <p:spPr>
+          <a:xfrm>
+            <a:off x="5894493" y="563869"/>
+            <a:ext cx="1987990" cy="1979075"/>
+          </a:xfrm>
+          <a:prstGeom prst="rect">
+            <a:avLst/>
+          </a:prstGeom>
+        </p:spPr>
+      </p:pic>
+      <p:pic>
+        <p:nvPicPr>
+          <p:cNvPr id="2" name="図 1">
+            <a:extLst>
+              <a:ext uri="{FF2B5EF4-FFF2-40B4-BE49-F238E27FC236}">
+                <a16:creationId xmlns:a16="http://schemas.microsoft.com/office/drawing/2014/main" id="{B1A0A848-4B32-F31A-6B1E-987B4718165E}"/>
+              </a:ext>
+            </a:extLst>
+          </p:cNvPr>
+          <p:cNvPicPr>
+            <a:picLocks noChangeAspect="1"/>
+          </p:cNvPicPr>
+          <p:nvPr/>
+        </p:nvPicPr>
+        <p:blipFill>
+          <a:blip r:embed="rId3"/>
+          <a:stretch>
+            <a:fillRect/>
+          </a:stretch>
+        </p:blipFill>
+        <p:spPr>
+          <a:xfrm>
+            <a:off x="1187104" y="2183518"/>
+            <a:ext cx="1969982" cy="1969982"/>
+          </a:xfrm>
+          <a:prstGeom prst="rect">
+            <a:avLst/>
+          </a:prstGeom>
+        </p:spPr>
+      </p:pic>
+      <p:grpSp>
+        <p:nvGrpSpPr>
+          <p:cNvPr id="16" name="グループ化 15">
+            <a:extLst>
+              <a:ext uri="{FF2B5EF4-FFF2-40B4-BE49-F238E27FC236}">
+                <a16:creationId xmlns:a16="http://schemas.microsoft.com/office/drawing/2014/main" id="{5C20F4FF-74A7-6A05-018B-C7F0962B0D92}"/>
+              </a:ext>
+            </a:extLst>
+          </p:cNvPr>
+          <p:cNvGrpSpPr/>
+          <p:nvPr/>
+        </p:nvGrpSpPr>
+        <p:grpSpPr>
+          <a:xfrm>
+            <a:off x="5988279" y="4322137"/>
+            <a:ext cx="1971073" cy="1971073"/>
+            <a:chOff x="8438922" y="3789373"/>
+            <a:chExt cx="1971073" cy="1971073"/>
+          </a:xfrm>
+        </p:grpSpPr>
+        <p:pic>
+          <p:nvPicPr>
+            <p:cNvPr id="3" name="図 2">
+              <a:extLst>
+                <a:ext uri="{FF2B5EF4-FFF2-40B4-BE49-F238E27FC236}">
+                  <a16:creationId xmlns:a16="http://schemas.microsoft.com/office/drawing/2014/main" id="{F7F0A3C9-33F9-8E1D-EF08-7E31D8966A79}"/>
+                </a:ext>
+              </a:extLst>
+            </p:cNvPr>
+            <p:cNvPicPr>
+              <a:picLocks noChangeAspect="1"/>
+            </p:cNvPicPr>
+            <p:nvPr/>
+          </p:nvPicPr>
+          <p:blipFill>
+            <a:blip r:embed="rId3"/>
+            <a:stretch>
+              <a:fillRect/>
+            </a:stretch>
+          </p:blipFill>
+          <p:spPr>
+            <a:xfrm>
+              <a:off x="8438922" y="3789373"/>
+              <a:ext cx="1971073" cy="1971073"/>
+            </a:xfrm>
+            <a:prstGeom prst="rect">
+              <a:avLst/>
+            </a:prstGeom>
+          </p:spPr>
+        </p:pic>
+        <p:sp>
+          <p:nvSpPr>
+            <p:cNvPr id="6" name="正方形/長方形 5">
+              <a:extLst>
+                <a:ext uri="{FF2B5EF4-FFF2-40B4-BE49-F238E27FC236}">
+                  <a16:creationId xmlns:a16="http://schemas.microsoft.com/office/drawing/2014/main" id="{BD340F2B-9DA3-91EC-9D24-95FB79BC2234}"/>
+                </a:ext>
+              </a:extLst>
+            </p:cNvPr>
+            <p:cNvSpPr/>
+            <p:nvPr/>
+          </p:nvSpPr>
+          <p:spPr>
+            <a:xfrm>
+              <a:off x="8438922" y="3789373"/>
+              <a:ext cx="1971073" cy="1969982"/>
+            </a:xfrm>
+            <a:prstGeom prst="rect">
+              <a:avLst/>
+            </a:prstGeom>
+            <a:solidFill>
+              <a:srgbClr val="000000">
+                <a:alpha val="16863"/>
+              </a:srgbClr>
+            </a:solidFill>
+            <a:ln>
+              <a:noFill/>
+            </a:ln>
+          </p:spPr>
+          <p:style>
+            <a:lnRef idx="2">
+              <a:schemeClr val="accent1">
+                <a:shade val="15000"/>
+              </a:schemeClr>
+            </a:lnRef>
+            <a:fillRef idx="1">
+              <a:schemeClr val="accent1"/>
+            </a:fillRef>
+            <a:effectRef idx="0">
+              <a:schemeClr val="accent1"/>
+            </a:effectRef>
+            <a:fontRef idx="minor">
+              <a:schemeClr val="lt1"/>
+            </a:fontRef>
+          </p:style>
+          <p:txBody>
+            <a:bodyPr rtlCol="0" anchor="ctr"/>
+            <a:lstStyle/>
+            <a:p>
+              <a:pPr algn="ctr"/>
+              <a:endParaRPr kumimoji="1" lang="ja-JP" altLang="en-US"/>
+            </a:p>
+          </p:txBody>
+        </p:sp>
+      </p:grpSp>
+      <p:sp>
+        <p:nvSpPr>
+          <p:cNvPr id="11" name="右矢印 10">
+            <a:extLst>
+              <a:ext uri="{FF2B5EF4-FFF2-40B4-BE49-F238E27FC236}">
+                <a16:creationId xmlns:a16="http://schemas.microsoft.com/office/drawing/2014/main" id="{CB16B996-4363-D8C9-3C17-7BE3D2613249}"/>
+              </a:ext>
+            </a:extLst>
+          </p:cNvPr>
+          <p:cNvSpPr/>
+          <p:nvPr/>
+        </p:nvSpPr>
+        <p:spPr>
+          <a:xfrm rot="2272844">
+            <a:off x="3229158" y="4028636"/>
+            <a:ext cx="2785830" cy="473052"/>
+          </a:xfrm>
+          <a:prstGeom prst="rightArrow">
+            <a:avLst/>
+          </a:prstGeom>
+          <a:noFill/>
+        </p:spPr>
+        <p:style>
+          <a:lnRef idx="2">
+            <a:schemeClr val="accent1">
+              <a:shade val="15000"/>
+            </a:schemeClr>
+          </a:lnRef>
+          <a:fillRef idx="1">
+            <a:schemeClr val="accent1"/>
+          </a:fillRef>
+          <a:effectRef idx="0">
+            <a:schemeClr val="accent1"/>
+          </a:effectRef>
+          <a:fontRef idx="minor">
+            <a:schemeClr val="lt1"/>
+          </a:fontRef>
+        </p:style>
+        <p:txBody>
+          <a:bodyPr rtlCol="0" anchor="ctr"/>
+          <a:lstStyle/>
+          <a:p>
+            <a:pPr algn="ctr"/>
+            <a:endParaRPr kumimoji="1" lang="ja-JP" altLang="en-US"/>
+          </a:p>
+        </p:txBody>
+      </p:sp>
+      <p:sp>
+        <p:nvSpPr>
+          <p:cNvPr id="29" name="上下矢印 28">
+            <a:extLst>
+              <a:ext uri="{FF2B5EF4-FFF2-40B4-BE49-F238E27FC236}">
+                <a16:creationId xmlns:a16="http://schemas.microsoft.com/office/drawing/2014/main" id="{915B555B-C68D-FBB8-A78A-CE97FD60490F}"/>
+              </a:ext>
+            </a:extLst>
+          </p:cNvPr>
+          <p:cNvSpPr/>
+          <p:nvPr/>
+        </p:nvSpPr>
+        <p:spPr>
+          <a:xfrm>
+            <a:off x="6692635" y="3178796"/>
+            <a:ext cx="391706" cy="923462"/>
+          </a:xfrm>
+          <a:prstGeom prst="upDownArrow">
+            <a:avLst/>
+          </a:prstGeom>
+          <a:noFill/>
+        </p:spPr>
+        <p:style>
+          <a:lnRef idx="2">
+            <a:schemeClr val="accent1">
+              <a:shade val="15000"/>
+            </a:schemeClr>
+          </a:lnRef>
+          <a:fillRef idx="1">
+            <a:schemeClr val="accent1"/>
+          </a:fillRef>
+          <a:effectRef idx="0">
+            <a:schemeClr val="accent1"/>
+          </a:effectRef>
+          <a:fontRef idx="minor">
+            <a:schemeClr val="lt1"/>
+          </a:fontRef>
+        </p:style>
+        <p:txBody>
+          <a:bodyPr rtlCol="0" anchor="ctr"/>
+          <a:lstStyle/>
+          <a:p>
+            <a:pPr algn="ctr"/>
+            <a:endParaRPr kumimoji="1" lang="ja-JP" altLang="en-US"/>
+          </a:p>
+        </p:txBody>
+      </p:sp>
+      <p:sp>
+        <p:nvSpPr>
+          <p:cNvPr id="30" name="テキスト ボックス 29">
+            <a:extLst>
+              <a:ext uri="{FF2B5EF4-FFF2-40B4-BE49-F238E27FC236}">
+                <a16:creationId xmlns:a16="http://schemas.microsoft.com/office/drawing/2014/main" id="{E45DA719-E1A9-A41C-7633-2FC31BB31DBB}"/>
+              </a:ext>
+            </a:extLst>
+          </p:cNvPr>
+          <p:cNvSpPr txBox="1"/>
+          <p:nvPr/>
+        </p:nvSpPr>
+        <p:spPr>
+          <a:xfrm>
+            <a:off x="7138867" y="3471250"/>
+            <a:ext cx="1790055" cy="338554"/>
+          </a:xfrm>
+          <a:prstGeom prst="rect">
+            <a:avLst/>
+          </a:prstGeom>
+          <a:noFill/>
+        </p:spPr>
+        <p:txBody>
+          <a:bodyPr wrap="square" rtlCol="0">
+            <a:spAutoFit/>
+          </a:bodyPr>
+          <a:lstStyle/>
+          <a:p>
+            <a:pPr algn="ctr"/>
+            <a:r>
+              <a:rPr lang="ja-JP" altLang="en-US" sz="1600">
+                <a:latin typeface="Yu Mincho" panose="02020400000000000000" pitchFamily="18" charset="-128"/>
+                <a:ea typeface="Yu Mincho" panose="02020400000000000000" pitchFamily="18" charset="-128"/>
+              </a:rPr>
+              <a:t>暗さを揃える</a:t>
+            </a:r>
+            <a:endParaRPr kumimoji="1" lang="ja-JP" altLang="en-US" sz="1600">
+              <a:latin typeface="Yu Mincho" panose="02020400000000000000" pitchFamily="18" charset="-128"/>
+              <a:ea typeface="Yu Mincho" panose="02020400000000000000" pitchFamily="18" charset="-128"/>
+            </a:endParaRPr>
+          </a:p>
+        </p:txBody>
+      </p:sp>
+      <p:sp>
+        <p:nvSpPr>
+          <p:cNvPr id="31" name="正方形/長方形 30">
+            <a:extLst>
+              <a:ext uri="{FF2B5EF4-FFF2-40B4-BE49-F238E27FC236}">
+                <a16:creationId xmlns:a16="http://schemas.microsoft.com/office/drawing/2014/main" id="{1471478A-0D55-A6EA-90E6-18711AF6DD77}"/>
+              </a:ext>
+            </a:extLst>
+          </p:cNvPr>
+          <p:cNvSpPr/>
+          <p:nvPr/>
+        </p:nvSpPr>
+        <p:spPr>
+          <a:xfrm>
+            <a:off x="9903640" y="4758488"/>
+            <a:ext cx="1056132" cy="1097280"/>
+          </a:xfrm>
+          <a:prstGeom prst="rect">
+            <a:avLst/>
+          </a:prstGeom>
+          <a:solidFill>
+            <a:srgbClr val="E68366"/>
+          </a:solidFill>
+          <a:ln>
+            <a:noFill/>
+          </a:ln>
+        </p:spPr>
+        <p:style>
+          <a:lnRef idx="2">
+            <a:schemeClr val="accent1">
+              <a:shade val="15000"/>
+            </a:schemeClr>
+          </a:lnRef>
+          <a:fillRef idx="1">
+            <a:schemeClr val="accent1"/>
+          </a:fillRef>
+          <a:effectRef idx="0">
+            <a:schemeClr val="accent1"/>
+          </a:effectRef>
+          <a:fontRef idx="minor">
+            <a:schemeClr val="lt1"/>
+          </a:fontRef>
+        </p:style>
+        <p:txBody>
+          <a:bodyPr rtlCol="0" anchor="ctr"/>
+          <a:lstStyle/>
+          <a:p>
+            <a:pPr algn="ctr"/>
+            <a:endParaRPr kumimoji="1" lang="ja-JP" altLang="en-US"/>
+          </a:p>
+        </p:txBody>
+      </p:sp>
+      <p:sp>
+        <p:nvSpPr>
+          <p:cNvPr id="33" name="右矢印 32">
+            <a:extLst>
+              <a:ext uri="{FF2B5EF4-FFF2-40B4-BE49-F238E27FC236}">
+                <a16:creationId xmlns:a16="http://schemas.microsoft.com/office/drawing/2014/main" id="{F7594501-BDF8-8756-EC91-D53652C9A3C3}"/>
+              </a:ext>
+            </a:extLst>
+          </p:cNvPr>
+          <p:cNvSpPr/>
+          <p:nvPr/>
+        </p:nvSpPr>
+        <p:spPr>
+          <a:xfrm>
+            <a:off x="8248326" y="5070602"/>
+            <a:ext cx="1311310" cy="473052"/>
+          </a:xfrm>
+          <a:prstGeom prst="rightArrow">
+            <a:avLst/>
+          </a:prstGeom>
+          <a:noFill/>
+        </p:spPr>
+        <p:style>
+          <a:lnRef idx="2">
+            <a:schemeClr val="accent1">
+              <a:shade val="15000"/>
+            </a:schemeClr>
+          </a:lnRef>
+          <a:fillRef idx="1">
+            <a:schemeClr val="accent1"/>
+          </a:fillRef>
+          <a:effectRef idx="0">
+            <a:schemeClr val="accent1"/>
+          </a:effectRef>
+          <a:fontRef idx="minor">
+            <a:schemeClr val="lt1"/>
+          </a:fontRef>
+        </p:style>
+        <p:txBody>
+          <a:bodyPr rtlCol="0" anchor="ctr"/>
+          <a:lstStyle/>
+          <a:p>
+            <a:pPr algn="ctr"/>
+            <a:endParaRPr kumimoji="1" lang="ja-JP" altLang="en-US"/>
+          </a:p>
+        </p:txBody>
+      </p:sp>
+      <p:sp>
+        <p:nvSpPr>
+          <p:cNvPr id="34" name="テキスト ボックス 33">
+            <a:extLst>
+              <a:ext uri="{FF2B5EF4-FFF2-40B4-BE49-F238E27FC236}">
+                <a16:creationId xmlns:a16="http://schemas.microsoft.com/office/drawing/2014/main" id="{61CCD7D1-A72A-7F62-60BF-B68736CBBC90}"/>
+              </a:ext>
+            </a:extLst>
+          </p:cNvPr>
+          <p:cNvSpPr txBox="1"/>
+          <p:nvPr/>
+        </p:nvSpPr>
+        <p:spPr>
+          <a:xfrm>
+            <a:off x="9536678" y="5999731"/>
+            <a:ext cx="1790055" cy="584775"/>
+          </a:xfrm>
+          <a:prstGeom prst="rect">
+            <a:avLst/>
+          </a:prstGeom>
+          <a:noFill/>
+        </p:spPr>
+        <p:txBody>
+          <a:bodyPr wrap="square" rtlCol="0">
+            <a:spAutoFit/>
+          </a:bodyPr>
+          <a:lstStyle/>
+          <a:p>
+            <a:pPr algn="ctr"/>
+            <a:r>
+              <a:rPr kumimoji="1" lang="ja-JP" altLang="en-US" sz="1600">
+                <a:latin typeface="Yu Mincho" panose="02020400000000000000" pitchFamily="18" charset="-128"/>
+                <a:ea typeface="Yu Mincho" panose="02020400000000000000" pitchFamily="18" charset="-128"/>
+              </a:rPr>
+              <a:t>推定の正解</a:t>
+            </a:r>
+            <a:endParaRPr kumimoji="1" lang="en-US" altLang="ja-JP" sz="1600" dirty="0">
+              <a:latin typeface="Yu Mincho" panose="02020400000000000000" pitchFamily="18" charset="-128"/>
+              <a:ea typeface="Yu Mincho" panose="02020400000000000000" pitchFamily="18" charset="-128"/>
+            </a:endParaRPr>
+          </a:p>
+          <a:p>
+            <a:pPr algn="ctr"/>
+            <a:r>
+              <a:rPr lang="ja-JP" altLang="en-US" sz="1600">
+                <a:latin typeface="Yu Mincho" panose="02020400000000000000" pitchFamily="18" charset="-128"/>
+                <a:ea typeface="Yu Mincho" panose="02020400000000000000" pitchFamily="18" charset="-128"/>
+              </a:rPr>
+              <a:t>（変更なし）</a:t>
+            </a:r>
+            <a:endParaRPr kumimoji="1" lang="ja-JP" altLang="en-US" sz="1600">
+              <a:latin typeface="Yu Mincho" panose="02020400000000000000" pitchFamily="18" charset="-128"/>
+              <a:ea typeface="Yu Mincho" panose="02020400000000000000" pitchFamily="18" charset="-128"/>
+            </a:endParaRPr>
+          </a:p>
+        </p:txBody>
+      </p:sp>
+      <p:sp>
+        <p:nvSpPr>
+          <p:cNvPr id="35" name="右矢印 34">
+            <a:extLst>
+              <a:ext uri="{FF2B5EF4-FFF2-40B4-BE49-F238E27FC236}">
+                <a16:creationId xmlns:a16="http://schemas.microsoft.com/office/drawing/2014/main" id="{8C410F80-F256-72A6-42E7-BA16A57C1E04}"/>
+              </a:ext>
+            </a:extLst>
+          </p:cNvPr>
+          <p:cNvSpPr/>
+          <p:nvPr/>
+        </p:nvSpPr>
+        <p:spPr>
+          <a:xfrm>
+            <a:off x="8248326" y="1314346"/>
+            <a:ext cx="1311310" cy="473052"/>
+          </a:xfrm>
+          <a:prstGeom prst="rightArrow">
+            <a:avLst/>
+          </a:prstGeom>
+          <a:noFill/>
+        </p:spPr>
+        <p:style>
+          <a:lnRef idx="2">
+            <a:schemeClr val="accent1">
+              <a:shade val="15000"/>
+            </a:schemeClr>
+          </a:lnRef>
+          <a:fillRef idx="1">
+            <a:schemeClr val="accent1"/>
+          </a:fillRef>
+          <a:effectRef idx="0">
+            <a:schemeClr val="accent1"/>
+          </a:effectRef>
+          <a:fontRef idx="minor">
+            <a:schemeClr val="lt1"/>
+          </a:fontRef>
+        </p:style>
+        <p:txBody>
+          <a:bodyPr rtlCol="0" anchor="ctr"/>
+          <a:lstStyle/>
+          <a:p>
+            <a:pPr algn="ctr"/>
+            <a:endParaRPr kumimoji="1" lang="ja-JP" altLang="en-US"/>
+          </a:p>
+        </p:txBody>
+      </p:sp>
+      <p:sp>
+        <p:nvSpPr>
+          <p:cNvPr id="36" name="テキスト ボックス 35">
+            <a:extLst>
+              <a:ext uri="{FF2B5EF4-FFF2-40B4-BE49-F238E27FC236}">
+                <a16:creationId xmlns:a16="http://schemas.microsoft.com/office/drawing/2014/main" id="{4792C407-F884-B306-12A1-1FB675D7E537}"/>
+              </a:ext>
+            </a:extLst>
+          </p:cNvPr>
+          <p:cNvSpPr txBox="1"/>
+          <p:nvPr/>
+        </p:nvSpPr>
+        <p:spPr>
+          <a:xfrm>
+            <a:off x="9559636" y="1381595"/>
+            <a:ext cx="1790055" cy="338554"/>
+          </a:xfrm>
+          <a:prstGeom prst="rect">
+            <a:avLst/>
+          </a:prstGeom>
+          <a:noFill/>
+        </p:spPr>
+        <p:txBody>
+          <a:bodyPr wrap="square" rtlCol="0">
+            <a:spAutoFit/>
+          </a:bodyPr>
+          <a:lstStyle/>
+          <a:p>
+            <a:pPr algn="ctr"/>
+            <a:r>
+              <a:rPr kumimoji="1" lang="ja-JP" altLang="en-US" sz="1600">
+                <a:latin typeface="Yu Mincho" panose="02020400000000000000" pitchFamily="18" charset="-128"/>
+                <a:ea typeface="Yu Mincho" panose="02020400000000000000" pitchFamily="18" charset="-128"/>
+              </a:rPr>
+              <a:t>推定結果の改善</a:t>
+            </a:r>
+          </a:p>
+        </p:txBody>
+      </p:sp>
+    </p:spTree>
+    <p:extLst>
+      <p:ext uri="{BB962C8B-B14F-4D97-AF65-F5344CB8AC3E}">
+        <p14:creationId xmlns:p14="http://schemas.microsoft.com/office/powerpoint/2010/main" val="1171129190"/>
+      </p:ext>
+    </p:extLst>
+  </p:cSld>
+  <p:clrMapOvr>
+    <a:masterClrMapping/>
+  </p:clrMapOvr>
+</p:sld>
+</file>
+
+<file path=ppt/slides/slide7.xml><?xml version="1.0" encoding="utf-8"?>
+<p:sld xmlns:a="http://schemas.openxmlformats.org/drawingml/2006/main" xmlns:r="http://schemas.openxmlformats.org/officeDocument/2006/relationships" xmlns:p="http://schemas.openxmlformats.org/presentationml/2006/main">
+  <p:cSld>
+    <p:spTree>
+      <p:nvGrpSpPr>
+        <p:cNvPr id="1" name=""/>
+        <p:cNvGrpSpPr/>
+        <p:nvPr/>
+      </p:nvGrpSpPr>
+      <p:grpSpPr>
+        <a:xfrm>
+          <a:off x="0" y="0"/>
+          <a:ext cx="0" cy="0"/>
+          <a:chOff x="0" y="0"/>
+          <a:chExt cx="0" cy="0"/>
+        </a:xfrm>
+      </p:grpSpPr>
       <p:pic>
         <p:nvPicPr>
           <p:cNvPr id="5" name="図 4">

--- a/修論の図.pptx
+++ b/修論の図.pptx
@@ -11,7 +11,9 @@
     <p:sldId id="260" r:id="rId5"/>
     <p:sldId id="261" r:id="rId6"/>
     <p:sldId id="262" r:id="rId7"/>
-    <p:sldId id="257" r:id="rId8"/>
+    <p:sldId id="263" r:id="rId8"/>
+    <p:sldId id="264" r:id="rId9"/>
+    <p:sldId id="257" r:id="rId10"/>
   </p:sldIdLst>
   <p:sldSz cx="12192000" cy="6858000"/>
   <p:notesSz cx="6858000" cy="9144000"/>
@@ -265,7 +267,7 @@
           <a:p>
             <a:fld id="{E52EB15A-F151-1244-8A13-DD7702844EEB}" type="datetimeFigureOut">
               <a:rPr kumimoji="1" lang="ja-JP" altLang="en-US" smtClean="0"/>
-              <a:t>2024/1/1</a:t>
+              <a:t>2024/1/3</a:t>
             </a:fld>
             <a:endParaRPr kumimoji="1" lang="ja-JP" altLang="en-US"/>
           </a:p>
@@ -495,7 +497,7 @@
           <a:p>
             <a:fld id="{E52EB15A-F151-1244-8A13-DD7702844EEB}" type="datetimeFigureOut">
               <a:rPr kumimoji="1" lang="ja-JP" altLang="en-US" smtClean="0"/>
-              <a:t>2024/1/1</a:t>
+              <a:t>2024/1/3</a:t>
             </a:fld>
             <a:endParaRPr kumimoji="1" lang="ja-JP" altLang="en-US"/>
           </a:p>
@@ -735,7 +737,7 @@
           <a:p>
             <a:fld id="{E52EB15A-F151-1244-8A13-DD7702844EEB}" type="datetimeFigureOut">
               <a:rPr kumimoji="1" lang="ja-JP" altLang="en-US" smtClean="0"/>
-              <a:t>2024/1/1</a:t>
+              <a:t>2024/1/3</a:t>
             </a:fld>
             <a:endParaRPr kumimoji="1" lang="ja-JP" altLang="en-US"/>
           </a:p>
@@ -965,7 +967,7 @@
           <a:p>
             <a:fld id="{E52EB15A-F151-1244-8A13-DD7702844EEB}" type="datetimeFigureOut">
               <a:rPr kumimoji="1" lang="ja-JP" altLang="en-US" smtClean="0"/>
-              <a:t>2024/1/1</a:t>
+              <a:t>2024/1/3</a:t>
             </a:fld>
             <a:endParaRPr kumimoji="1" lang="ja-JP" altLang="en-US"/>
           </a:p>
@@ -1240,7 +1242,7 @@
           <a:p>
             <a:fld id="{E52EB15A-F151-1244-8A13-DD7702844EEB}" type="datetimeFigureOut">
               <a:rPr kumimoji="1" lang="ja-JP" altLang="en-US" smtClean="0"/>
-              <a:t>2024/1/1</a:t>
+              <a:t>2024/1/3</a:t>
             </a:fld>
             <a:endParaRPr kumimoji="1" lang="ja-JP" altLang="en-US"/>
           </a:p>
@@ -1569,7 +1571,7 @@
           <a:p>
             <a:fld id="{E52EB15A-F151-1244-8A13-DD7702844EEB}" type="datetimeFigureOut">
               <a:rPr kumimoji="1" lang="ja-JP" altLang="en-US" smtClean="0"/>
-              <a:t>2024/1/1</a:t>
+              <a:t>2024/1/3</a:t>
             </a:fld>
             <a:endParaRPr kumimoji="1" lang="ja-JP" altLang="en-US"/>
           </a:p>
@@ -2045,7 +2047,7 @@
           <a:p>
             <a:fld id="{E52EB15A-F151-1244-8A13-DD7702844EEB}" type="datetimeFigureOut">
               <a:rPr kumimoji="1" lang="ja-JP" altLang="en-US" smtClean="0"/>
-              <a:t>2024/1/1</a:t>
+              <a:t>2024/1/3</a:t>
             </a:fld>
             <a:endParaRPr kumimoji="1" lang="ja-JP" altLang="en-US"/>
           </a:p>
@@ -2186,7 +2188,7 @@
           <a:p>
             <a:fld id="{E52EB15A-F151-1244-8A13-DD7702844EEB}" type="datetimeFigureOut">
               <a:rPr kumimoji="1" lang="ja-JP" altLang="en-US" smtClean="0"/>
-              <a:t>2024/1/1</a:t>
+              <a:t>2024/1/3</a:t>
             </a:fld>
             <a:endParaRPr kumimoji="1" lang="ja-JP" altLang="en-US"/>
           </a:p>
@@ -2299,7 +2301,7 @@
           <a:p>
             <a:fld id="{E52EB15A-F151-1244-8A13-DD7702844EEB}" type="datetimeFigureOut">
               <a:rPr kumimoji="1" lang="ja-JP" altLang="en-US" smtClean="0"/>
-              <a:t>2024/1/1</a:t>
+              <a:t>2024/1/3</a:t>
             </a:fld>
             <a:endParaRPr kumimoji="1" lang="ja-JP" altLang="en-US"/>
           </a:p>
@@ -2642,7 +2644,7 @@
           <a:p>
             <a:fld id="{E52EB15A-F151-1244-8A13-DD7702844EEB}" type="datetimeFigureOut">
               <a:rPr kumimoji="1" lang="ja-JP" altLang="en-US" smtClean="0"/>
-              <a:t>2024/1/1</a:t>
+              <a:t>2024/1/3</a:t>
             </a:fld>
             <a:endParaRPr kumimoji="1" lang="ja-JP" altLang="en-US"/>
           </a:p>
@@ -2930,7 +2932,7 @@
           <a:p>
             <a:fld id="{E52EB15A-F151-1244-8A13-DD7702844EEB}" type="datetimeFigureOut">
               <a:rPr kumimoji="1" lang="ja-JP" altLang="en-US" smtClean="0"/>
-              <a:t>2024/1/1</a:t>
+              <a:t>2024/1/3</a:t>
             </a:fld>
             <a:endParaRPr kumimoji="1" lang="ja-JP" altLang="en-US"/>
           </a:p>
@@ -3203,7 +3205,7 @@
           <a:p>
             <a:fld id="{E52EB15A-F151-1244-8A13-DD7702844EEB}" type="datetimeFigureOut">
               <a:rPr kumimoji="1" lang="ja-JP" altLang="en-US" smtClean="0"/>
-              <a:t>2024/1/1</a:t>
+              <a:t>2024/1/3</a:t>
             </a:fld>
             <a:endParaRPr kumimoji="1" lang="ja-JP" altLang="en-US"/>
           </a:p>
@@ -6979,6 +6981,274 @@
           <p:cNvPr id="5" name="図 4">
             <a:extLst>
               <a:ext uri="{FF2B5EF4-FFF2-40B4-BE49-F238E27FC236}">
+                <a16:creationId xmlns:a16="http://schemas.microsoft.com/office/drawing/2014/main" id="{4DD908D5-5BA4-9E1F-C0BD-1C049EB80672}"/>
+              </a:ext>
+            </a:extLst>
+          </p:cNvPr>
+          <p:cNvPicPr>
+            <a:picLocks noChangeAspect="1"/>
+          </p:cNvPicPr>
+          <p:nvPr/>
+        </p:nvPicPr>
+        <p:blipFill>
+          <a:blip r:embed="rId2"/>
+          <a:stretch>
+            <a:fillRect/>
+          </a:stretch>
+        </p:blipFill>
+        <p:spPr>
+          <a:xfrm>
+            <a:off x="1524000" y="0"/>
+            <a:ext cx="9144000" cy="6858000"/>
+          </a:xfrm>
+          <a:prstGeom prst="rect">
+            <a:avLst/>
+          </a:prstGeom>
+        </p:spPr>
+      </p:pic>
+      <p:sp>
+        <p:nvSpPr>
+          <p:cNvPr id="8" name="テキスト ボックス 7">
+            <a:extLst>
+              <a:ext uri="{FF2B5EF4-FFF2-40B4-BE49-F238E27FC236}">
+                <a16:creationId xmlns:a16="http://schemas.microsoft.com/office/drawing/2014/main" id="{86D80745-3B11-114D-ED10-DCD1311FE263}"/>
+              </a:ext>
+            </a:extLst>
+          </p:cNvPr>
+          <p:cNvSpPr txBox="1"/>
+          <p:nvPr/>
+        </p:nvSpPr>
+        <p:spPr>
+          <a:xfrm>
+            <a:off x="1402080" y="560832"/>
+            <a:ext cx="1194816" cy="307777"/>
+          </a:xfrm>
+          <a:prstGeom prst="rect">
+            <a:avLst/>
+          </a:prstGeom>
+          <a:noFill/>
+        </p:spPr>
+        <p:txBody>
+          <a:bodyPr wrap="square" rtlCol="0">
+            <a:spAutoFit/>
+          </a:bodyPr>
+          <a:lstStyle/>
+          <a:p>
+            <a:pPr algn="r"/>
+            <a:r>
+              <a:rPr kumimoji="1" lang="en-US" altLang="ja-JP" sz="1400" dirty="0"/>
+              <a:t>accuracy</a:t>
+            </a:r>
+            <a:endParaRPr kumimoji="1" lang="ja-JP" altLang="en-US" sz="1400"/>
+          </a:p>
+        </p:txBody>
+      </p:sp>
+      <p:sp>
+        <p:nvSpPr>
+          <p:cNvPr id="9" name="テキスト ボックス 8">
+            <a:extLst>
+              <a:ext uri="{FF2B5EF4-FFF2-40B4-BE49-F238E27FC236}">
+                <a16:creationId xmlns:a16="http://schemas.microsoft.com/office/drawing/2014/main" id="{344C8C98-CC7F-B071-E19C-F889CFFF5344}"/>
+              </a:ext>
+            </a:extLst>
+          </p:cNvPr>
+          <p:cNvSpPr txBox="1"/>
+          <p:nvPr/>
+        </p:nvSpPr>
+        <p:spPr>
+          <a:xfrm>
+            <a:off x="8674608" y="6492240"/>
+            <a:ext cx="1194816" cy="307777"/>
+          </a:xfrm>
+          <a:prstGeom prst="rect">
+            <a:avLst/>
+          </a:prstGeom>
+          <a:noFill/>
+        </p:spPr>
+        <p:txBody>
+          <a:bodyPr wrap="square" rtlCol="0">
+            <a:spAutoFit/>
+          </a:bodyPr>
+          <a:lstStyle/>
+          <a:p>
+            <a:pPr algn="r"/>
+            <a:r>
+              <a:rPr lang="en-US" altLang="ja-JP" sz="1400" dirty="0"/>
+              <a:t>epoch</a:t>
+            </a:r>
+            <a:endParaRPr kumimoji="1" lang="ja-JP" altLang="en-US" sz="1400"/>
+          </a:p>
+        </p:txBody>
+      </p:sp>
+    </p:spTree>
+    <p:extLst>
+      <p:ext uri="{BB962C8B-B14F-4D97-AF65-F5344CB8AC3E}">
+        <p14:creationId xmlns:p14="http://schemas.microsoft.com/office/powerpoint/2010/main" val="4082032102"/>
+      </p:ext>
+    </p:extLst>
+  </p:cSld>
+  <p:clrMapOvr>
+    <a:masterClrMapping/>
+  </p:clrMapOvr>
+</p:sld>
+</file>
+
+<file path=ppt/slides/slide8.xml><?xml version="1.0" encoding="utf-8"?>
+<p:sld xmlns:a="http://schemas.openxmlformats.org/drawingml/2006/main" xmlns:r="http://schemas.openxmlformats.org/officeDocument/2006/relationships" xmlns:p="http://schemas.openxmlformats.org/presentationml/2006/main">
+  <p:cSld>
+    <p:spTree>
+      <p:nvGrpSpPr>
+        <p:cNvPr id="1" name=""/>
+        <p:cNvGrpSpPr/>
+        <p:nvPr/>
+      </p:nvGrpSpPr>
+      <p:grpSpPr>
+        <a:xfrm>
+          <a:off x="0" y="0"/>
+          <a:ext cx="0" cy="0"/>
+          <a:chOff x="0" y="0"/>
+          <a:chExt cx="0" cy="0"/>
+        </a:xfrm>
+      </p:grpSpPr>
+      <p:pic>
+        <p:nvPicPr>
+          <p:cNvPr id="4" name="図 3">
+            <a:extLst>
+              <a:ext uri="{FF2B5EF4-FFF2-40B4-BE49-F238E27FC236}">
+                <a16:creationId xmlns:a16="http://schemas.microsoft.com/office/drawing/2014/main" id="{41B46210-1FF6-3605-1341-DE3240E9BC6B}"/>
+              </a:ext>
+            </a:extLst>
+          </p:cNvPr>
+          <p:cNvPicPr>
+            <a:picLocks noChangeAspect="1"/>
+          </p:cNvPicPr>
+          <p:nvPr/>
+        </p:nvPicPr>
+        <p:blipFill>
+          <a:blip r:embed="rId2"/>
+          <a:stretch>
+            <a:fillRect/>
+          </a:stretch>
+        </p:blipFill>
+        <p:spPr>
+          <a:xfrm>
+            <a:off x="1747520" y="-762"/>
+            <a:ext cx="9145016" cy="6858762"/>
+          </a:xfrm>
+          <a:prstGeom prst="rect">
+            <a:avLst/>
+          </a:prstGeom>
+        </p:spPr>
+      </p:pic>
+      <p:sp>
+        <p:nvSpPr>
+          <p:cNvPr id="5" name="テキスト ボックス 4">
+            <a:extLst>
+              <a:ext uri="{FF2B5EF4-FFF2-40B4-BE49-F238E27FC236}">
+                <a16:creationId xmlns:a16="http://schemas.microsoft.com/office/drawing/2014/main" id="{FA614926-B741-AEAD-3FC9-6E2496CB7DCD}"/>
+              </a:ext>
+            </a:extLst>
+          </p:cNvPr>
+          <p:cNvSpPr txBox="1"/>
+          <p:nvPr/>
+        </p:nvSpPr>
+        <p:spPr>
+          <a:xfrm>
+            <a:off x="1621536" y="694944"/>
+            <a:ext cx="1194816" cy="307777"/>
+          </a:xfrm>
+          <a:prstGeom prst="rect">
+            <a:avLst/>
+          </a:prstGeom>
+          <a:noFill/>
+        </p:spPr>
+        <p:txBody>
+          <a:bodyPr wrap="square" rtlCol="0">
+            <a:spAutoFit/>
+          </a:bodyPr>
+          <a:lstStyle/>
+          <a:p>
+            <a:pPr algn="r"/>
+            <a:r>
+              <a:rPr lang="en-US" altLang="ja-JP" sz="1400" dirty="0"/>
+              <a:t>loss</a:t>
+            </a:r>
+            <a:endParaRPr kumimoji="1" lang="ja-JP" altLang="en-US" sz="1400"/>
+          </a:p>
+        </p:txBody>
+      </p:sp>
+      <p:sp>
+        <p:nvSpPr>
+          <p:cNvPr id="6" name="テキスト ボックス 5">
+            <a:extLst>
+              <a:ext uri="{FF2B5EF4-FFF2-40B4-BE49-F238E27FC236}">
+                <a16:creationId xmlns:a16="http://schemas.microsoft.com/office/drawing/2014/main" id="{03E91ACC-B0B3-4F2D-34DE-BDC7D7690C2C}"/>
+              </a:ext>
+            </a:extLst>
+          </p:cNvPr>
+          <p:cNvSpPr txBox="1"/>
+          <p:nvPr/>
+        </p:nvSpPr>
+        <p:spPr>
+          <a:xfrm>
+            <a:off x="8863584" y="6489263"/>
+            <a:ext cx="1194816" cy="307777"/>
+          </a:xfrm>
+          <a:prstGeom prst="rect">
+            <a:avLst/>
+          </a:prstGeom>
+          <a:noFill/>
+        </p:spPr>
+        <p:txBody>
+          <a:bodyPr wrap="square" rtlCol="0">
+            <a:spAutoFit/>
+          </a:bodyPr>
+          <a:lstStyle/>
+          <a:p>
+            <a:pPr algn="r"/>
+            <a:r>
+              <a:rPr lang="en-US" altLang="ja-JP" sz="1400" dirty="0"/>
+              <a:t>epoch</a:t>
+            </a:r>
+            <a:endParaRPr kumimoji="1" lang="ja-JP" altLang="en-US" sz="1400"/>
+          </a:p>
+        </p:txBody>
+      </p:sp>
+    </p:spTree>
+    <p:extLst>
+      <p:ext uri="{BB962C8B-B14F-4D97-AF65-F5344CB8AC3E}">
+        <p14:creationId xmlns:p14="http://schemas.microsoft.com/office/powerpoint/2010/main" val="64640710"/>
+      </p:ext>
+    </p:extLst>
+  </p:cSld>
+  <p:clrMapOvr>
+    <a:masterClrMapping/>
+  </p:clrMapOvr>
+</p:sld>
+</file>
+
+<file path=ppt/slides/slide9.xml><?xml version="1.0" encoding="utf-8"?>
+<p:sld xmlns:a="http://schemas.openxmlformats.org/drawingml/2006/main" xmlns:r="http://schemas.openxmlformats.org/officeDocument/2006/relationships" xmlns:p="http://schemas.openxmlformats.org/presentationml/2006/main">
+  <p:cSld>
+    <p:spTree>
+      <p:nvGrpSpPr>
+        <p:cNvPr id="1" name=""/>
+        <p:cNvGrpSpPr/>
+        <p:nvPr/>
+      </p:nvGrpSpPr>
+      <p:grpSpPr>
+        <a:xfrm>
+          <a:off x="0" y="0"/>
+          <a:ext cx="0" cy="0"/>
+          <a:chOff x="0" y="0"/>
+          <a:chExt cx="0" cy="0"/>
+        </a:xfrm>
+      </p:grpSpPr>
+      <p:pic>
+        <p:nvPicPr>
+          <p:cNvPr id="5" name="図 4">
+            <a:extLst>
+              <a:ext uri="{FF2B5EF4-FFF2-40B4-BE49-F238E27FC236}">
                 <a16:creationId xmlns:a16="http://schemas.microsoft.com/office/drawing/2014/main" id="{18A51100-3797-9D03-0406-FC5C67496258}"/>
               </a:ext>
             </a:extLst>
